--- a/Projetos de Software/Aula 12  - Tratamento de Exceções/Tratamentos de Exceções.pptx
+++ b/Projetos de Software/Aula 12  - Tratamento de Exceções/Tratamentos de Exceções.pptx
@@ -5,10 +5,25 @@
     <p:sldMasterId id="2147483677" r:id="rId1"/>
   </p:sldMasterIdLst>
   <p:notesMasterIdLst>
-    <p:notesMasterId r:id="rId3"/>
+    <p:notesMasterId r:id="rId18"/>
   </p:notesMasterIdLst>
   <p:sldIdLst>
     <p:sldId id="256" r:id="rId2"/>
+    <p:sldId id="257" r:id="rId3"/>
+    <p:sldId id="258" r:id="rId4"/>
+    <p:sldId id="259" r:id="rId5"/>
+    <p:sldId id="260" r:id="rId6"/>
+    <p:sldId id="261" r:id="rId7"/>
+    <p:sldId id="262" r:id="rId8"/>
+    <p:sldId id="263" r:id="rId9"/>
+    <p:sldId id="264" r:id="rId10"/>
+    <p:sldId id="266" r:id="rId11"/>
+    <p:sldId id="267" r:id="rId12"/>
+    <p:sldId id="265" r:id="rId13"/>
+    <p:sldId id="268" r:id="rId14"/>
+    <p:sldId id="269" r:id="rId15"/>
+    <p:sldId id="270" r:id="rId16"/>
+    <p:sldId id="271" r:id="rId17"/>
   </p:sldIdLst>
   <p:sldSz cx="12192000" cy="6858000"/>
   <p:notesSz cx="6858000" cy="9144000"/>
@@ -220,7 +235,7 @@
           <a:p>
             <a:fld id="{FCBB45FB-FC1C-4893-B550-48C1193193C6}" type="datetimeFigureOut">
               <a:rPr lang="pt-BR" smtClean="0"/>
-              <a:t>26/04/2025</a:t>
+              <a:t>29/04/2025</a:t>
             </a:fld>
             <a:endParaRPr lang="pt-BR"/>
           </a:p>
@@ -923,7 +938,7 @@
           <a:p>
             <a:fld id="{CDD55C27-F8C6-4481-8569-CAC50CAE9F1F}" type="datetimeFigureOut">
               <a:rPr lang="pt-BR" smtClean="0"/>
-              <a:t>26/04/2025</a:t>
+              <a:t>29/04/2025</a:t>
             </a:fld>
             <a:endParaRPr lang="pt-BR"/>
           </a:p>
@@ -1422,7 +1437,7 @@
           <a:p>
             <a:fld id="{CDD55C27-F8C6-4481-8569-CAC50CAE9F1F}" type="datetimeFigureOut">
               <a:rPr lang="pt-BR" smtClean="0"/>
-              <a:t>26/04/2025</a:t>
+              <a:t>29/04/2025</a:t>
             </a:fld>
             <a:endParaRPr lang="pt-BR"/>
           </a:p>
@@ -1725,7 +1740,7 @@
           <a:p>
             <a:fld id="{CDD55C27-F8C6-4481-8569-CAC50CAE9F1F}" type="datetimeFigureOut">
               <a:rPr lang="pt-BR" smtClean="0"/>
-              <a:t>26/04/2025</a:t>
+              <a:t>29/04/2025</a:t>
             </a:fld>
             <a:endParaRPr lang="pt-BR"/>
           </a:p>
@@ -2176,7 +2191,7 @@
           <a:p>
             <a:fld id="{CDD55C27-F8C6-4481-8569-CAC50CAE9F1F}" type="datetimeFigureOut">
               <a:rPr lang="pt-BR" smtClean="0"/>
-              <a:t>26/04/2025</a:t>
+              <a:t>29/04/2025</a:t>
             </a:fld>
             <a:endParaRPr lang="pt-BR"/>
           </a:p>
@@ -2349,7 +2364,7 @@
           <a:p>
             <a:fld id="{CDD55C27-F8C6-4481-8569-CAC50CAE9F1F}" type="datetimeFigureOut">
               <a:rPr lang="pt-BR" smtClean="0"/>
-              <a:t>26/04/2025</a:t>
+              <a:t>29/04/2025</a:t>
             </a:fld>
             <a:endParaRPr lang="pt-BR"/>
           </a:p>
@@ -2486,7 +2501,7 @@
           <a:p>
             <a:fld id="{CDD55C27-F8C6-4481-8569-CAC50CAE9F1F}" type="datetimeFigureOut">
               <a:rPr lang="pt-BR" smtClean="0"/>
-              <a:t>26/04/2025</a:t>
+              <a:t>29/04/2025</a:t>
             </a:fld>
             <a:endParaRPr lang="pt-BR"/>
           </a:p>
@@ -2830,7 +2845,7 @@
           <a:p>
             <a:fld id="{CDD55C27-F8C6-4481-8569-CAC50CAE9F1F}" type="datetimeFigureOut">
               <a:rPr lang="pt-BR" smtClean="0"/>
-              <a:t>26/04/2025</a:t>
+              <a:t>29/04/2025</a:t>
             </a:fld>
             <a:endParaRPr lang="pt-BR"/>
           </a:p>
@@ -3151,7 +3166,7 @@
           <a:p>
             <a:fld id="{CDD55C27-F8C6-4481-8569-CAC50CAE9F1F}" type="datetimeFigureOut">
               <a:rPr lang="pt-BR" smtClean="0"/>
-              <a:t>26/04/2025</a:t>
+              <a:t>29/04/2025</a:t>
             </a:fld>
             <a:endParaRPr lang="pt-BR"/>
           </a:p>
@@ -3712,7 +3727,7 @@
           <a:p>
             <a:r>
               <a:rPr lang="pt-BR" sz="5400" dirty="0"/>
-              <a:t>Tratamento de Exceções</a:t>
+              <a:t>Tratamento de Exceções em Java</a:t>
             </a:r>
           </a:p>
         </p:txBody>
@@ -3749,6 +3764,4940 @@
     <p:extLst>
       <p:ext uri="{BB962C8B-B14F-4D97-AF65-F5344CB8AC3E}">
         <p14:creationId xmlns:p14="http://schemas.microsoft.com/office/powerpoint/2010/main" val="160591847"/>
+      </p:ext>
+    </p:extLst>
+  </p:cSld>
+  <p:clrMapOvr>
+    <a:masterClrMapping/>
+  </p:clrMapOvr>
+</p:sld>
+</file>
+
+<file path=ppt/slides/slide10.xml><?xml version="1.0" encoding="utf-8"?>
+<p:sld xmlns:a="http://schemas.openxmlformats.org/drawingml/2006/main" xmlns:r="http://schemas.openxmlformats.org/officeDocument/2006/relationships" xmlns:p="http://schemas.openxmlformats.org/presentationml/2006/main">
+  <p:cSld>
+    <p:spTree>
+      <p:nvGrpSpPr>
+        <p:cNvPr id="1" name=""/>
+        <p:cNvGrpSpPr/>
+        <p:nvPr/>
+      </p:nvGrpSpPr>
+      <p:grpSpPr>
+        <a:xfrm>
+          <a:off x="0" y="0"/>
+          <a:ext cx="0" cy="0"/>
+          <a:chOff x="0" y="0"/>
+          <a:chExt cx="0" cy="0"/>
+        </a:xfrm>
+      </p:grpSpPr>
+      <p:sp>
+        <p:nvSpPr>
+          <p:cNvPr id="2" name="Título 1">
+            <a:extLst>
+              <a:ext uri="{FF2B5EF4-FFF2-40B4-BE49-F238E27FC236}">
+                <a16:creationId xmlns:a16="http://schemas.microsoft.com/office/drawing/2014/main" id="{137766DE-CF8A-4F06-BB79-E06C5F50DA16}"/>
+              </a:ext>
+            </a:extLst>
+          </p:cNvPr>
+          <p:cNvSpPr>
+            <a:spLocks noGrp="1"/>
+          </p:cNvSpPr>
+          <p:nvPr>
+            <p:ph type="title"/>
+          </p:nvPr>
+        </p:nvSpPr>
+        <p:spPr/>
+        <p:txBody>
+          <a:bodyPr/>
+          <a:lstStyle/>
+          <a:p>
+            <a:r>
+              <a:rPr lang="pt-BR" dirty="0"/>
+              <a:t>Exemplos de exceções no </a:t>
+            </a:r>
+            <a:r>
+              <a:rPr lang="pt-BR" dirty="0" err="1"/>
+              <a:t>try</a:t>
+            </a:r>
+            <a:r>
+              <a:rPr lang="pt-BR" dirty="0"/>
+              <a:t>-catch</a:t>
+            </a:r>
+          </a:p>
+        </p:txBody>
+      </p:sp>
+      <p:sp>
+        <p:nvSpPr>
+          <p:cNvPr id="3" name="Espaço Reservado para Conteúdo 2">
+            <a:extLst>
+              <a:ext uri="{FF2B5EF4-FFF2-40B4-BE49-F238E27FC236}">
+                <a16:creationId xmlns:a16="http://schemas.microsoft.com/office/drawing/2014/main" id="{FFF61CCC-3F1A-40C7-9274-6885A23DAC01}"/>
+              </a:ext>
+            </a:extLst>
+          </p:cNvPr>
+          <p:cNvSpPr>
+            <a:spLocks noGrp="1"/>
+          </p:cNvSpPr>
+          <p:nvPr>
+            <p:ph idx="1"/>
+          </p:nvPr>
+        </p:nvSpPr>
+        <p:spPr>
+          <a:xfrm>
+            <a:off x="592347" y="1844675"/>
+            <a:ext cx="11007306" cy="619125"/>
+          </a:xfrm>
+        </p:spPr>
+        <p:txBody>
+          <a:bodyPr/>
+          <a:lstStyle/>
+          <a:p>
+            <a:r>
+              <a:rPr lang="pt-BR" dirty="0" err="1"/>
+              <a:t>SQLException</a:t>
+            </a:r>
+            <a:r>
+              <a:rPr lang="pt-BR" dirty="0"/>
+              <a:t> - Ocorre quando há falha na execução de operações relacionadas ao banco de dados, como falha de conexão ou erro na consulta SQL.</a:t>
+            </a:r>
+          </a:p>
+        </p:txBody>
+      </p:sp>
+      <p:sp>
+        <p:nvSpPr>
+          <p:cNvPr id="4" name="Retângulo 3">
+            <a:extLst>
+              <a:ext uri="{FF2B5EF4-FFF2-40B4-BE49-F238E27FC236}">
+                <a16:creationId xmlns:a16="http://schemas.microsoft.com/office/drawing/2014/main" id="{757CA3F0-247C-4657-A62F-B28E3563F8B0}"/>
+              </a:ext>
+            </a:extLst>
+          </p:cNvPr>
+          <p:cNvSpPr/>
+          <p:nvPr/>
+        </p:nvSpPr>
+        <p:spPr>
+          <a:xfrm>
+            <a:off x="1028701" y="3240039"/>
+            <a:ext cx="10134599" cy="2072362"/>
+          </a:xfrm>
+          <a:prstGeom prst="rect">
+            <a:avLst/>
+          </a:prstGeom>
+        </p:spPr>
+        <p:txBody>
+          <a:bodyPr wrap="square">
+            <a:spAutoFit/>
+          </a:bodyPr>
+          <a:lstStyle/>
+          <a:p>
+            <a:pPr>
+              <a:spcBef>
+                <a:spcPts val="150"/>
+              </a:spcBef>
+              <a:spcAft>
+                <a:spcPts val="150"/>
+              </a:spcAft>
+            </a:pPr>
+            <a:r>
+              <a:rPr lang="pt-BR" sz="1600" dirty="0">
+                <a:solidFill>
+                  <a:srgbClr val="3F7F5F"/>
+                </a:solidFill>
+                <a:latin typeface="Consolas" panose="020B0609020204030204" pitchFamily="49" charset="0"/>
+              </a:rPr>
+              <a:t>// </a:t>
+            </a:r>
+            <a:r>
+              <a:rPr lang="pt-BR" sz="1600" u="sng" dirty="0">
+                <a:solidFill>
+                  <a:srgbClr val="3F7F5F"/>
+                </a:solidFill>
+                <a:latin typeface="Consolas" panose="020B0609020204030204" pitchFamily="49" charset="0"/>
+              </a:rPr>
+              <a:t>Exemplo</a:t>
+            </a:r>
+            <a:r>
+              <a:rPr lang="pt-BR" sz="1600" dirty="0">
+                <a:solidFill>
+                  <a:srgbClr val="3F7F5F"/>
+                </a:solidFill>
+                <a:latin typeface="Consolas" panose="020B0609020204030204" pitchFamily="49" charset="0"/>
+              </a:rPr>
+              <a:t> </a:t>
+            </a:r>
+            <a:r>
+              <a:rPr lang="pt-BR" sz="1600" dirty="0" err="1">
+                <a:solidFill>
+                  <a:srgbClr val="3F7F5F"/>
+                </a:solidFill>
+                <a:latin typeface="Consolas" panose="020B0609020204030204" pitchFamily="49" charset="0"/>
+              </a:rPr>
+              <a:t>SQLException</a:t>
+            </a:r>
+            <a:endParaRPr lang="pt-BR" sz="1600" dirty="0">
+              <a:solidFill>
+                <a:srgbClr val="000000"/>
+              </a:solidFill>
+              <a:latin typeface="Consolas" panose="020B0609020204030204" pitchFamily="49" charset="0"/>
+            </a:endParaRPr>
+          </a:p>
+          <a:p>
+            <a:pPr>
+              <a:spcBef>
+                <a:spcPts val="150"/>
+              </a:spcBef>
+              <a:spcAft>
+                <a:spcPts val="150"/>
+              </a:spcAft>
+            </a:pPr>
+            <a:r>
+              <a:rPr lang="pt-BR" sz="1600" b="1" dirty="0" err="1">
+                <a:solidFill>
+                  <a:srgbClr val="7F0055"/>
+                </a:solidFill>
+                <a:latin typeface="Consolas" panose="020B0609020204030204" pitchFamily="49" charset="0"/>
+              </a:rPr>
+              <a:t>try</a:t>
+            </a:r>
+            <a:r>
+              <a:rPr lang="pt-BR" sz="1600" dirty="0">
+                <a:solidFill>
+                  <a:srgbClr val="000000"/>
+                </a:solidFill>
+                <a:latin typeface="Consolas" panose="020B0609020204030204" pitchFamily="49" charset="0"/>
+              </a:rPr>
+              <a:t> {</a:t>
+            </a:r>
+          </a:p>
+          <a:p>
+            <a:pPr indent="457200">
+              <a:spcBef>
+                <a:spcPts val="150"/>
+              </a:spcBef>
+              <a:spcAft>
+                <a:spcPts val="150"/>
+              </a:spcAft>
+            </a:pPr>
+            <a:r>
+              <a:rPr lang="pt-BR" sz="1600" dirty="0">
+                <a:solidFill>
+                  <a:srgbClr val="000000"/>
+                </a:solidFill>
+                <a:latin typeface="Consolas" panose="020B0609020204030204" pitchFamily="49" charset="0"/>
+              </a:rPr>
+              <a:t>Connection </a:t>
+            </a:r>
+            <a:r>
+              <a:rPr lang="pt-BR" sz="1600" u="sng" dirty="0" err="1">
+                <a:solidFill>
+                  <a:srgbClr val="6A3E3E"/>
+                </a:solidFill>
+                <a:latin typeface="Consolas" panose="020B0609020204030204" pitchFamily="49" charset="0"/>
+              </a:rPr>
+              <a:t>conn</a:t>
+            </a:r>
+            <a:r>
+              <a:rPr lang="pt-BR" sz="1600" dirty="0">
+                <a:solidFill>
+                  <a:srgbClr val="000000"/>
+                </a:solidFill>
+                <a:latin typeface="Consolas" panose="020B0609020204030204" pitchFamily="49" charset="0"/>
+              </a:rPr>
+              <a:t> = </a:t>
+            </a:r>
+            <a:r>
+              <a:rPr lang="pt-BR" sz="1600" dirty="0" err="1">
+                <a:solidFill>
+                  <a:srgbClr val="000000"/>
+                </a:solidFill>
+                <a:latin typeface="Consolas" panose="020B0609020204030204" pitchFamily="49" charset="0"/>
+              </a:rPr>
+              <a:t>DriverManager.</a:t>
+            </a:r>
+            <a:r>
+              <a:rPr lang="pt-BR" sz="1600" i="1" dirty="0" err="1">
+                <a:solidFill>
+                  <a:srgbClr val="000000"/>
+                </a:solidFill>
+                <a:latin typeface="Consolas" panose="020B0609020204030204" pitchFamily="49" charset="0"/>
+              </a:rPr>
+              <a:t>getConnection</a:t>
+            </a:r>
+            <a:r>
+              <a:rPr lang="pt-BR" sz="1600" dirty="0">
+                <a:solidFill>
+                  <a:srgbClr val="000000"/>
+                </a:solidFill>
+                <a:latin typeface="Consolas" panose="020B0609020204030204" pitchFamily="49" charset="0"/>
+              </a:rPr>
+              <a:t>(</a:t>
+            </a:r>
+            <a:r>
+              <a:rPr lang="pt-BR" sz="1600" dirty="0">
+                <a:solidFill>
+                  <a:srgbClr val="2A00FF"/>
+                </a:solidFill>
+                <a:latin typeface="Consolas" panose="020B0609020204030204" pitchFamily="49" charset="0"/>
+              </a:rPr>
+              <a:t>"</a:t>
+            </a:r>
+            <a:r>
+              <a:rPr lang="pt-BR" sz="1600" dirty="0" err="1">
+                <a:solidFill>
+                  <a:srgbClr val="2A00FF"/>
+                </a:solidFill>
+                <a:latin typeface="Consolas" panose="020B0609020204030204" pitchFamily="49" charset="0"/>
+              </a:rPr>
+              <a:t>jdbc:mysql</a:t>
+            </a:r>
+            <a:r>
+              <a:rPr lang="pt-BR" sz="1600" dirty="0">
+                <a:solidFill>
+                  <a:srgbClr val="2A00FF"/>
+                </a:solidFill>
+                <a:latin typeface="Consolas" panose="020B0609020204030204" pitchFamily="49" charset="0"/>
+              </a:rPr>
+              <a:t>://localhost:3306/</a:t>
+            </a:r>
+            <a:r>
+              <a:rPr lang="pt-BR" sz="1600" dirty="0" err="1">
+                <a:solidFill>
+                  <a:srgbClr val="2A00FF"/>
+                </a:solidFill>
+                <a:latin typeface="Consolas" panose="020B0609020204030204" pitchFamily="49" charset="0"/>
+              </a:rPr>
+              <a:t>meubanco</a:t>
+            </a:r>
+            <a:r>
+              <a:rPr lang="pt-BR" sz="1600" dirty="0">
+                <a:solidFill>
+                  <a:srgbClr val="2A00FF"/>
+                </a:solidFill>
+                <a:latin typeface="Consolas" panose="020B0609020204030204" pitchFamily="49" charset="0"/>
+              </a:rPr>
+              <a:t>"</a:t>
+            </a:r>
+            <a:r>
+              <a:rPr lang="pt-BR" sz="1600" dirty="0">
+                <a:solidFill>
+                  <a:srgbClr val="000000"/>
+                </a:solidFill>
+                <a:latin typeface="Consolas" panose="020B0609020204030204" pitchFamily="49" charset="0"/>
+              </a:rPr>
+              <a:t>, </a:t>
+            </a:r>
+            <a:r>
+              <a:rPr lang="pt-BR" sz="1600" dirty="0">
+                <a:solidFill>
+                  <a:srgbClr val="2A00FF"/>
+                </a:solidFill>
+                <a:latin typeface="Consolas" panose="020B0609020204030204" pitchFamily="49" charset="0"/>
+              </a:rPr>
+              <a:t>"root"</a:t>
+            </a:r>
+            <a:r>
+              <a:rPr lang="pt-BR" sz="1600" dirty="0">
+                <a:solidFill>
+                  <a:srgbClr val="000000"/>
+                </a:solidFill>
+                <a:latin typeface="Consolas" panose="020B0609020204030204" pitchFamily="49" charset="0"/>
+              </a:rPr>
+              <a:t>, </a:t>
+            </a:r>
+            <a:r>
+              <a:rPr lang="pt-BR" sz="1600" dirty="0">
+                <a:solidFill>
+                  <a:srgbClr val="2A00FF"/>
+                </a:solidFill>
+                <a:latin typeface="Consolas" panose="020B0609020204030204" pitchFamily="49" charset="0"/>
+              </a:rPr>
+              <a:t>"senha"</a:t>
+            </a:r>
+            <a:r>
+              <a:rPr lang="pt-BR" sz="1600" dirty="0">
+                <a:solidFill>
+                  <a:srgbClr val="000000"/>
+                </a:solidFill>
+                <a:latin typeface="Consolas" panose="020B0609020204030204" pitchFamily="49" charset="0"/>
+              </a:rPr>
+              <a:t>);</a:t>
+            </a:r>
+          </a:p>
+          <a:p>
+            <a:pPr>
+              <a:spcBef>
+                <a:spcPts val="150"/>
+              </a:spcBef>
+              <a:spcAft>
+                <a:spcPts val="150"/>
+              </a:spcAft>
+            </a:pPr>
+            <a:r>
+              <a:rPr lang="pt-BR" sz="1600" dirty="0">
+                <a:solidFill>
+                  <a:srgbClr val="000000"/>
+                </a:solidFill>
+                <a:latin typeface="Consolas" panose="020B0609020204030204" pitchFamily="49" charset="0"/>
+              </a:rPr>
+              <a:t>} </a:t>
+            </a:r>
+            <a:r>
+              <a:rPr lang="pt-BR" sz="1600" b="1" dirty="0">
+                <a:solidFill>
+                  <a:srgbClr val="7F0055"/>
+                </a:solidFill>
+                <a:latin typeface="Consolas" panose="020B0609020204030204" pitchFamily="49" charset="0"/>
+              </a:rPr>
+              <a:t>catch</a:t>
+            </a:r>
+            <a:r>
+              <a:rPr lang="pt-BR" sz="1600" dirty="0">
+                <a:solidFill>
+                  <a:srgbClr val="000000"/>
+                </a:solidFill>
+                <a:latin typeface="Consolas" panose="020B0609020204030204" pitchFamily="49" charset="0"/>
+              </a:rPr>
+              <a:t> (</a:t>
+            </a:r>
+            <a:r>
+              <a:rPr lang="pt-BR" sz="1600" dirty="0" err="1">
+                <a:solidFill>
+                  <a:srgbClr val="000000"/>
+                </a:solidFill>
+                <a:latin typeface="Consolas" panose="020B0609020204030204" pitchFamily="49" charset="0"/>
+              </a:rPr>
+              <a:t>SQLException</a:t>
+            </a:r>
+            <a:r>
+              <a:rPr lang="pt-BR" sz="1600" dirty="0">
+                <a:solidFill>
+                  <a:srgbClr val="000000"/>
+                </a:solidFill>
+                <a:latin typeface="Consolas" panose="020B0609020204030204" pitchFamily="49" charset="0"/>
+              </a:rPr>
+              <a:t> </a:t>
+            </a:r>
+            <a:r>
+              <a:rPr lang="pt-BR" sz="1600" dirty="0">
+                <a:solidFill>
+                  <a:srgbClr val="6A3E3E"/>
+                </a:solidFill>
+                <a:latin typeface="Consolas" panose="020B0609020204030204" pitchFamily="49" charset="0"/>
+              </a:rPr>
+              <a:t>e</a:t>
+            </a:r>
+            <a:r>
+              <a:rPr lang="pt-BR" sz="1600" dirty="0">
+                <a:solidFill>
+                  <a:srgbClr val="000000"/>
+                </a:solidFill>
+                <a:latin typeface="Consolas" panose="020B0609020204030204" pitchFamily="49" charset="0"/>
+              </a:rPr>
+              <a:t>) {</a:t>
+            </a:r>
+          </a:p>
+          <a:p>
+            <a:pPr indent="457200">
+              <a:spcBef>
+                <a:spcPts val="150"/>
+              </a:spcBef>
+              <a:spcAft>
+                <a:spcPts val="150"/>
+              </a:spcAft>
+            </a:pPr>
+            <a:r>
+              <a:rPr lang="pt-BR" sz="1600" dirty="0" err="1">
+                <a:solidFill>
+                  <a:srgbClr val="000000"/>
+                </a:solidFill>
+                <a:latin typeface="Consolas" panose="020B0609020204030204" pitchFamily="49" charset="0"/>
+              </a:rPr>
+              <a:t>System.</a:t>
+            </a:r>
+            <a:r>
+              <a:rPr lang="pt-BR" sz="1600" b="1" i="1" dirty="0" err="1">
+                <a:solidFill>
+                  <a:srgbClr val="0000C0"/>
+                </a:solidFill>
+                <a:latin typeface="Consolas" panose="020B0609020204030204" pitchFamily="49" charset="0"/>
+              </a:rPr>
+              <a:t>out</a:t>
+            </a:r>
+            <a:r>
+              <a:rPr lang="pt-BR" sz="1600" dirty="0" err="1">
+                <a:solidFill>
+                  <a:srgbClr val="000000"/>
+                </a:solidFill>
+                <a:latin typeface="Consolas" panose="020B0609020204030204" pitchFamily="49" charset="0"/>
+              </a:rPr>
+              <a:t>.println</a:t>
+            </a:r>
+            <a:r>
+              <a:rPr lang="pt-BR" sz="1600" dirty="0">
+                <a:solidFill>
+                  <a:srgbClr val="000000"/>
+                </a:solidFill>
+                <a:latin typeface="Consolas" panose="020B0609020204030204" pitchFamily="49" charset="0"/>
+              </a:rPr>
+              <a:t>(</a:t>
+            </a:r>
+            <a:r>
+              <a:rPr lang="pt-BR" sz="1600" dirty="0">
+                <a:solidFill>
+                  <a:srgbClr val="2A00FF"/>
+                </a:solidFill>
+                <a:latin typeface="Consolas" panose="020B0609020204030204" pitchFamily="49" charset="0"/>
+              </a:rPr>
+              <a:t>"Erro: Problema de conexão com o banco de dados."</a:t>
+            </a:r>
+            <a:r>
+              <a:rPr lang="pt-BR" sz="1600" dirty="0">
+                <a:solidFill>
+                  <a:srgbClr val="000000"/>
+                </a:solidFill>
+                <a:latin typeface="Consolas" panose="020B0609020204030204" pitchFamily="49" charset="0"/>
+              </a:rPr>
+              <a:t>);</a:t>
+            </a:r>
+          </a:p>
+          <a:p>
+            <a:pPr>
+              <a:spcBef>
+                <a:spcPts val="150"/>
+              </a:spcBef>
+              <a:spcAft>
+                <a:spcPts val="150"/>
+              </a:spcAft>
+            </a:pPr>
+            <a:r>
+              <a:rPr lang="pt-BR" sz="1600" dirty="0">
+                <a:solidFill>
+                  <a:srgbClr val="000000"/>
+                </a:solidFill>
+                <a:latin typeface="Consolas" panose="020B0609020204030204" pitchFamily="49" charset="0"/>
+              </a:rPr>
+              <a:t>}</a:t>
+            </a:r>
+          </a:p>
+        </p:txBody>
+      </p:sp>
+    </p:spTree>
+    <p:extLst>
+      <p:ext uri="{BB962C8B-B14F-4D97-AF65-F5344CB8AC3E}">
+        <p14:creationId xmlns:p14="http://schemas.microsoft.com/office/powerpoint/2010/main" val="3518474369"/>
+      </p:ext>
+    </p:extLst>
+  </p:cSld>
+  <p:clrMapOvr>
+    <a:masterClrMapping/>
+  </p:clrMapOvr>
+</p:sld>
+</file>
+
+<file path=ppt/slides/slide11.xml><?xml version="1.0" encoding="utf-8"?>
+<p:sld xmlns:a="http://schemas.openxmlformats.org/drawingml/2006/main" xmlns:r="http://schemas.openxmlformats.org/officeDocument/2006/relationships" xmlns:p="http://schemas.openxmlformats.org/presentationml/2006/main">
+  <p:cSld>
+    <p:spTree>
+      <p:nvGrpSpPr>
+        <p:cNvPr id="1" name=""/>
+        <p:cNvGrpSpPr/>
+        <p:nvPr/>
+      </p:nvGrpSpPr>
+      <p:grpSpPr>
+        <a:xfrm>
+          <a:off x="0" y="0"/>
+          <a:ext cx="0" cy="0"/>
+          <a:chOff x="0" y="0"/>
+          <a:chExt cx="0" cy="0"/>
+        </a:xfrm>
+      </p:grpSpPr>
+      <p:sp>
+        <p:nvSpPr>
+          <p:cNvPr id="2" name="Título 1">
+            <a:extLst>
+              <a:ext uri="{FF2B5EF4-FFF2-40B4-BE49-F238E27FC236}">
+                <a16:creationId xmlns:a16="http://schemas.microsoft.com/office/drawing/2014/main" id="{137766DE-CF8A-4F06-BB79-E06C5F50DA16}"/>
+              </a:ext>
+            </a:extLst>
+          </p:cNvPr>
+          <p:cNvSpPr>
+            <a:spLocks noGrp="1"/>
+          </p:cNvSpPr>
+          <p:nvPr>
+            <p:ph type="title"/>
+          </p:nvPr>
+        </p:nvSpPr>
+        <p:spPr/>
+        <p:txBody>
+          <a:bodyPr/>
+          <a:lstStyle/>
+          <a:p>
+            <a:r>
+              <a:rPr lang="pt-BR" dirty="0"/>
+              <a:t>Exemplos de exceções no </a:t>
+            </a:r>
+            <a:r>
+              <a:rPr lang="pt-BR" dirty="0" err="1"/>
+              <a:t>try</a:t>
+            </a:r>
+            <a:r>
+              <a:rPr lang="pt-BR" dirty="0"/>
+              <a:t>-catch</a:t>
+            </a:r>
+          </a:p>
+        </p:txBody>
+      </p:sp>
+      <p:sp>
+        <p:nvSpPr>
+          <p:cNvPr id="3" name="Espaço Reservado para Conteúdo 2">
+            <a:extLst>
+              <a:ext uri="{FF2B5EF4-FFF2-40B4-BE49-F238E27FC236}">
+                <a16:creationId xmlns:a16="http://schemas.microsoft.com/office/drawing/2014/main" id="{FFF61CCC-3F1A-40C7-9274-6885A23DAC01}"/>
+              </a:ext>
+            </a:extLst>
+          </p:cNvPr>
+          <p:cNvSpPr>
+            <a:spLocks noGrp="1"/>
+          </p:cNvSpPr>
+          <p:nvPr>
+            <p:ph idx="1"/>
+          </p:nvPr>
+        </p:nvSpPr>
+        <p:spPr>
+          <a:xfrm>
+            <a:off x="592347" y="1844675"/>
+            <a:ext cx="11007306" cy="619125"/>
+          </a:xfrm>
+        </p:spPr>
+        <p:txBody>
+          <a:bodyPr/>
+          <a:lstStyle/>
+          <a:p>
+            <a:r>
+              <a:rPr lang="pt-BR" dirty="0" err="1"/>
+              <a:t>NumberFormatException</a:t>
+            </a:r>
+            <a:r>
+              <a:rPr lang="pt-BR" dirty="0"/>
+              <a:t> - Ocorre quando tenta-se converter uma </a:t>
+            </a:r>
+            <a:r>
+              <a:rPr lang="pt-BR" dirty="0" err="1"/>
+              <a:t>string</a:t>
+            </a:r>
+            <a:r>
+              <a:rPr lang="pt-BR" dirty="0"/>
+              <a:t> para um número, mas o formato da </a:t>
+            </a:r>
+            <a:r>
+              <a:rPr lang="pt-BR" dirty="0" err="1"/>
+              <a:t>string</a:t>
+            </a:r>
+            <a:r>
+              <a:rPr lang="pt-BR" dirty="0"/>
+              <a:t> não é válido.</a:t>
+            </a:r>
+          </a:p>
+        </p:txBody>
+      </p:sp>
+      <p:sp>
+        <p:nvSpPr>
+          <p:cNvPr id="4" name="Retângulo 3">
+            <a:extLst>
+              <a:ext uri="{FF2B5EF4-FFF2-40B4-BE49-F238E27FC236}">
+                <a16:creationId xmlns:a16="http://schemas.microsoft.com/office/drawing/2014/main" id="{A3B95B00-D4DA-4223-90D4-530F1042789D}"/>
+              </a:ext>
+            </a:extLst>
+          </p:cNvPr>
+          <p:cNvSpPr/>
+          <p:nvPr/>
+        </p:nvSpPr>
+        <p:spPr>
+          <a:xfrm>
+            <a:off x="2167467" y="3429000"/>
+            <a:ext cx="7857067" cy="2010807"/>
+          </a:xfrm>
+          <a:prstGeom prst="rect">
+            <a:avLst/>
+          </a:prstGeom>
+        </p:spPr>
+        <p:txBody>
+          <a:bodyPr wrap="square">
+            <a:spAutoFit/>
+          </a:bodyPr>
+          <a:lstStyle/>
+          <a:p>
+            <a:pPr>
+              <a:spcBef>
+                <a:spcPts val="150"/>
+              </a:spcBef>
+              <a:spcAft>
+                <a:spcPts val="150"/>
+              </a:spcAft>
+            </a:pPr>
+            <a:r>
+              <a:rPr lang="pt-BR" b="1" dirty="0" err="1">
+                <a:solidFill>
+                  <a:srgbClr val="7F0055"/>
+                </a:solidFill>
+                <a:latin typeface="Consolas" panose="020B0609020204030204" pitchFamily="49" charset="0"/>
+              </a:rPr>
+              <a:t>try</a:t>
+            </a:r>
+            <a:r>
+              <a:rPr lang="pt-BR" dirty="0">
+                <a:solidFill>
+                  <a:srgbClr val="000000"/>
+                </a:solidFill>
+                <a:latin typeface="Consolas" panose="020B0609020204030204" pitchFamily="49" charset="0"/>
+              </a:rPr>
+              <a:t> {</a:t>
+            </a:r>
+          </a:p>
+          <a:p>
+            <a:pPr indent="457200">
+              <a:spcBef>
+                <a:spcPts val="150"/>
+              </a:spcBef>
+              <a:spcAft>
+                <a:spcPts val="150"/>
+              </a:spcAft>
+            </a:pPr>
+            <a:r>
+              <a:rPr lang="pt-BR" dirty="0" err="1">
+                <a:solidFill>
+                  <a:srgbClr val="000000"/>
+                </a:solidFill>
+                <a:latin typeface="Consolas" panose="020B0609020204030204" pitchFamily="49" charset="0"/>
+              </a:rPr>
+              <a:t>String</a:t>
+            </a:r>
+            <a:r>
+              <a:rPr lang="pt-BR" dirty="0">
+                <a:solidFill>
+                  <a:srgbClr val="000000"/>
+                </a:solidFill>
+                <a:latin typeface="Consolas" panose="020B0609020204030204" pitchFamily="49" charset="0"/>
+              </a:rPr>
+              <a:t> </a:t>
+            </a:r>
+            <a:r>
+              <a:rPr lang="pt-BR" dirty="0">
+                <a:solidFill>
+                  <a:srgbClr val="6A3E3E"/>
+                </a:solidFill>
+                <a:latin typeface="Consolas" panose="020B0609020204030204" pitchFamily="49" charset="0"/>
+              </a:rPr>
+              <a:t>numero</a:t>
+            </a:r>
+            <a:r>
+              <a:rPr lang="pt-BR" dirty="0">
+                <a:solidFill>
+                  <a:srgbClr val="000000"/>
+                </a:solidFill>
+                <a:latin typeface="Consolas" panose="020B0609020204030204" pitchFamily="49" charset="0"/>
+              </a:rPr>
+              <a:t> = </a:t>
+            </a:r>
+            <a:r>
+              <a:rPr lang="pt-BR" dirty="0">
+                <a:solidFill>
+                  <a:srgbClr val="2A00FF"/>
+                </a:solidFill>
+                <a:latin typeface="Consolas" panose="020B0609020204030204" pitchFamily="49" charset="0"/>
+              </a:rPr>
+              <a:t>"abc"</a:t>
+            </a:r>
+            <a:r>
+              <a:rPr lang="pt-BR" dirty="0">
+                <a:solidFill>
+                  <a:srgbClr val="000000"/>
+                </a:solidFill>
+                <a:latin typeface="Consolas" panose="020B0609020204030204" pitchFamily="49" charset="0"/>
+              </a:rPr>
+              <a:t>;</a:t>
+            </a:r>
+          </a:p>
+          <a:p>
+            <a:pPr indent="457200">
+              <a:spcBef>
+                <a:spcPts val="150"/>
+              </a:spcBef>
+              <a:spcAft>
+                <a:spcPts val="150"/>
+              </a:spcAft>
+            </a:pPr>
+            <a:r>
+              <a:rPr lang="pt-BR" b="1" dirty="0" err="1">
+                <a:solidFill>
+                  <a:srgbClr val="7F0055"/>
+                </a:solidFill>
+                <a:latin typeface="Consolas" panose="020B0609020204030204" pitchFamily="49" charset="0"/>
+              </a:rPr>
+              <a:t>int</a:t>
+            </a:r>
+            <a:r>
+              <a:rPr lang="pt-BR" dirty="0">
+                <a:solidFill>
+                  <a:srgbClr val="000000"/>
+                </a:solidFill>
+                <a:latin typeface="Consolas" panose="020B0609020204030204" pitchFamily="49" charset="0"/>
+              </a:rPr>
+              <a:t> </a:t>
+            </a:r>
+            <a:r>
+              <a:rPr lang="pt-BR" u="sng" dirty="0">
+                <a:solidFill>
+                  <a:srgbClr val="6A3E3E"/>
+                </a:solidFill>
+                <a:latin typeface="Consolas" panose="020B0609020204030204" pitchFamily="49" charset="0"/>
+              </a:rPr>
+              <a:t>num</a:t>
+            </a:r>
+            <a:r>
+              <a:rPr lang="pt-BR" dirty="0">
+                <a:solidFill>
+                  <a:srgbClr val="000000"/>
+                </a:solidFill>
+                <a:latin typeface="Consolas" panose="020B0609020204030204" pitchFamily="49" charset="0"/>
+              </a:rPr>
+              <a:t> = </a:t>
+            </a:r>
+            <a:r>
+              <a:rPr lang="pt-BR" dirty="0" err="1">
+                <a:solidFill>
+                  <a:srgbClr val="000000"/>
+                </a:solidFill>
+                <a:latin typeface="Consolas" panose="020B0609020204030204" pitchFamily="49" charset="0"/>
+              </a:rPr>
+              <a:t>Integer.</a:t>
+            </a:r>
+            <a:r>
+              <a:rPr lang="pt-BR" i="1" dirty="0" err="1">
+                <a:solidFill>
+                  <a:srgbClr val="000000"/>
+                </a:solidFill>
+                <a:latin typeface="Consolas" panose="020B0609020204030204" pitchFamily="49" charset="0"/>
+              </a:rPr>
+              <a:t>parseInt</a:t>
+            </a:r>
+            <a:r>
+              <a:rPr lang="pt-BR" dirty="0">
+                <a:solidFill>
+                  <a:srgbClr val="000000"/>
+                </a:solidFill>
+                <a:latin typeface="Consolas" panose="020B0609020204030204" pitchFamily="49" charset="0"/>
+              </a:rPr>
+              <a:t>(</a:t>
+            </a:r>
+            <a:r>
+              <a:rPr lang="pt-BR" dirty="0">
+                <a:solidFill>
+                  <a:srgbClr val="6A3E3E"/>
+                </a:solidFill>
+                <a:latin typeface="Consolas" panose="020B0609020204030204" pitchFamily="49" charset="0"/>
+              </a:rPr>
+              <a:t>numero</a:t>
+            </a:r>
+            <a:r>
+              <a:rPr lang="pt-BR" dirty="0">
+                <a:solidFill>
+                  <a:srgbClr val="000000"/>
+                </a:solidFill>
+                <a:latin typeface="Consolas" panose="020B0609020204030204" pitchFamily="49" charset="0"/>
+              </a:rPr>
+              <a:t>); </a:t>
+            </a:r>
+          </a:p>
+          <a:p>
+            <a:pPr>
+              <a:spcBef>
+                <a:spcPts val="150"/>
+              </a:spcBef>
+              <a:spcAft>
+                <a:spcPts val="150"/>
+              </a:spcAft>
+            </a:pPr>
+            <a:r>
+              <a:rPr lang="pt-BR" dirty="0">
+                <a:solidFill>
+                  <a:srgbClr val="000000"/>
+                </a:solidFill>
+                <a:latin typeface="Consolas" panose="020B0609020204030204" pitchFamily="49" charset="0"/>
+              </a:rPr>
+              <a:t>} </a:t>
+            </a:r>
+            <a:r>
+              <a:rPr lang="pt-BR" b="1" dirty="0">
+                <a:solidFill>
+                  <a:srgbClr val="7F0055"/>
+                </a:solidFill>
+                <a:latin typeface="Consolas" panose="020B0609020204030204" pitchFamily="49" charset="0"/>
+              </a:rPr>
+              <a:t>catch</a:t>
+            </a:r>
+            <a:r>
+              <a:rPr lang="pt-BR" dirty="0">
+                <a:solidFill>
+                  <a:srgbClr val="000000"/>
+                </a:solidFill>
+                <a:latin typeface="Consolas" panose="020B0609020204030204" pitchFamily="49" charset="0"/>
+              </a:rPr>
+              <a:t> (</a:t>
+            </a:r>
+            <a:r>
+              <a:rPr lang="pt-BR" dirty="0" err="1">
+                <a:solidFill>
+                  <a:srgbClr val="000000"/>
+                </a:solidFill>
+                <a:latin typeface="Consolas" panose="020B0609020204030204" pitchFamily="49" charset="0"/>
+              </a:rPr>
+              <a:t>NumberFormatException</a:t>
+            </a:r>
+            <a:r>
+              <a:rPr lang="pt-BR" dirty="0">
+                <a:solidFill>
+                  <a:srgbClr val="000000"/>
+                </a:solidFill>
+                <a:latin typeface="Consolas" panose="020B0609020204030204" pitchFamily="49" charset="0"/>
+              </a:rPr>
+              <a:t> </a:t>
+            </a:r>
+            <a:r>
+              <a:rPr lang="pt-BR" dirty="0">
+                <a:solidFill>
+                  <a:srgbClr val="6A3E3E"/>
+                </a:solidFill>
+                <a:latin typeface="Consolas" panose="020B0609020204030204" pitchFamily="49" charset="0"/>
+              </a:rPr>
+              <a:t>e</a:t>
+            </a:r>
+            <a:r>
+              <a:rPr lang="pt-BR" dirty="0">
+                <a:solidFill>
+                  <a:srgbClr val="000000"/>
+                </a:solidFill>
+                <a:latin typeface="Consolas" panose="020B0609020204030204" pitchFamily="49" charset="0"/>
+              </a:rPr>
+              <a:t>) {</a:t>
+            </a:r>
+          </a:p>
+          <a:p>
+            <a:pPr indent="457200">
+              <a:spcBef>
+                <a:spcPts val="150"/>
+              </a:spcBef>
+              <a:spcAft>
+                <a:spcPts val="150"/>
+              </a:spcAft>
+            </a:pPr>
+            <a:r>
+              <a:rPr lang="pt-BR" dirty="0" err="1">
+                <a:solidFill>
+                  <a:srgbClr val="000000"/>
+                </a:solidFill>
+                <a:latin typeface="Consolas" panose="020B0609020204030204" pitchFamily="49" charset="0"/>
+              </a:rPr>
+              <a:t>System.</a:t>
+            </a:r>
+            <a:r>
+              <a:rPr lang="pt-BR" b="1" i="1" dirty="0" err="1">
+                <a:solidFill>
+                  <a:srgbClr val="0000C0"/>
+                </a:solidFill>
+                <a:latin typeface="Consolas" panose="020B0609020204030204" pitchFamily="49" charset="0"/>
+              </a:rPr>
+              <a:t>out</a:t>
+            </a:r>
+            <a:r>
+              <a:rPr lang="pt-BR" dirty="0" err="1">
+                <a:solidFill>
+                  <a:srgbClr val="000000"/>
+                </a:solidFill>
+                <a:latin typeface="Consolas" panose="020B0609020204030204" pitchFamily="49" charset="0"/>
+              </a:rPr>
+              <a:t>.println</a:t>
+            </a:r>
+            <a:r>
+              <a:rPr lang="pt-BR" dirty="0">
+                <a:solidFill>
+                  <a:srgbClr val="000000"/>
+                </a:solidFill>
+                <a:latin typeface="Consolas" panose="020B0609020204030204" pitchFamily="49" charset="0"/>
+              </a:rPr>
+              <a:t>(</a:t>
+            </a:r>
+            <a:r>
+              <a:rPr lang="pt-BR" dirty="0">
+                <a:solidFill>
+                  <a:srgbClr val="2A00FF"/>
+                </a:solidFill>
+                <a:latin typeface="Consolas" panose="020B0609020204030204" pitchFamily="49" charset="0"/>
+              </a:rPr>
+              <a:t>"Erro: Formato de número inválido."</a:t>
+            </a:r>
+            <a:r>
+              <a:rPr lang="pt-BR" dirty="0">
+                <a:solidFill>
+                  <a:srgbClr val="000000"/>
+                </a:solidFill>
+                <a:latin typeface="Consolas" panose="020B0609020204030204" pitchFamily="49" charset="0"/>
+              </a:rPr>
+              <a:t>);</a:t>
+            </a:r>
+          </a:p>
+          <a:p>
+            <a:pPr>
+              <a:spcBef>
+                <a:spcPts val="150"/>
+              </a:spcBef>
+              <a:spcAft>
+                <a:spcPts val="150"/>
+              </a:spcAft>
+            </a:pPr>
+            <a:r>
+              <a:rPr lang="pt-BR" dirty="0">
+                <a:solidFill>
+                  <a:srgbClr val="000000"/>
+                </a:solidFill>
+                <a:latin typeface="Consolas" panose="020B0609020204030204" pitchFamily="49" charset="0"/>
+              </a:rPr>
+              <a:t>}</a:t>
+            </a:r>
+          </a:p>
+        </p:txBody>
+      </p:sp>
+    </p:spTree>
+    <p:extLst>
+      <p:ext uri="{BB962C8B-B14F-4D97-AF65-F5344CB8AC3E}">
+        <p14:creationId xmlns:p14="http://schemas.microsoft.com/office/powerpoint/2010/main" val="1686507914"/>
+      </p:ext>
+    </p:extLst>
+  </p:cSld>
+  <p:clrMapOvr>
+    <a:masterClrMapping/>
+  </p:clrMapOvr>
+</p:sld>
+</file>
+
+<file path=ppt/slides/slide12.xml><?xml version="1.0" encoding="utf-8"?>
+<p:sld xmlns:a="http://schemas.openxmlformats.org/drawingml/2006/main" xmlns:r="http://schemas.openxmlformats.org/officeDocument/2006/relationships" xmlns:p="http://schemas.openxmlformats.org/presentationml/2006/main">
+  <p:cSld>
+    <p:spTree>
+      <p:nvGrpSpPr>
+        <p:cNvPr id="1" name=""/>
+        <p:cNvGrpSpPr/>
+        <p:nvPr/>
+      </p:nvGrpSpPr>
+      <p:grpSpPr>
+        <a:xfrm>
+          <a:off x="0" y="0"/>
+          <a:ext cx="0" cy="0"/>
+          <a:chOff x="0" y="0"/>
+          <a:chExt cx="0" cy="0"/>
+        </a:xfrm>
+      </p:grpSpPr>
+      <p:sp>
+        <p:nvSpPr>
+          <p:cNvPr id="2" name="Título 1">
+            <a:extLst>
+              <a:ext uri="{FF2B5EF4-FFF2-40B4-BE49-F238E27FC236}">
+                <a16:creationId xmlns:a16="http://schemas.microsoft.com/office/drawing/2014/main" id="{137766DE-CF8A-4F06-BB79-E06C5F50DA16}"/>
+              </a:ext>
+            </a:extLst>
+          </p:cNvPr>
+          <p:cNvSpPr>
+            <a:spLocks noGrp="1"/>
+          </p:cNvSpPr>
+          <p:nvPr>
+            <p:ph type="title"/>
+          </p:nvPr>
+        </p:nvSpPr>
+        <p:spPr/>
+        <p:txBody>
+          <a:bodyPr/>
+          <a:lstStyle/>
+          <a:p>
+            <a:r>
+              <a:rPr lang="pt-BR" dirty="0"/>
+              <a:t>Exemplos de exceções no </a:t>
+            </a:r>
+            <a:r>
+              <a:rPr lang="pt-BR" dirty="0" err="1"/>
+              <a:t>try</a:t>
+            </a:r>
+            <a:r>
+              <a:rPr lang="pt-BR" dirty="0"/>
+              <a:t>-catch</a:t>
+            </a:r>
+          </a:p>
+        </p:txBody>
+      </p:sp>
+      <p:sp>
+        <p:nvSpPr>
+          <p:cNvPr id="3" name="Espaço Reservado para Conteúdo 2">
+            <a:extLst>
+              <a:ext uri="{FF2B5EF4-FFF2-40B4-BE49-F238E27FC236}">
+                <a16:creationId xmlns:a16="http://schemas.microsoft.com/office/drawing/2014/main" id="{FFF61CCC-3F1A-40C7-9274-6885A23DAC01}"/>
+              </a:ext>
+            </a:extLst>
+          </p:cNvPr>
+          <p:cNvSpPr>
+            <a:spLocks noGrp="1"/>
+          </p:cNvSpPr>
+          <p:nvPr>
+            <p:ph idx="1"/>
+          </p:nvPr>
+        </p:nvSpPr>
+        <p:spPr>
+          <a:xfrm>
+            <a:off x="592347" y="1844675"/>
+            <a:ext cx="11007306" cy="619125"/>
+          </a:xfrm>
+        </p:spPr>
+        <p:txBody>
+          <a:bodyPr/>
+          <a:lstStyle/>
+          <a:p>
+            <a:r>
+              <a:rPr lang="pt-BR" dirty="0" err="1"/>
+              <a:t>IOException</a:t>
+            </a:r>
+            <a:r>
+              <a:rPr lang="pt-BR" dirty="0"/>
+              <a:t> - Ocorre em operações de entrada/saída, como leitura de arquivos, quando há falhas no processo.</a:t>
+            </a:r>
+          </a:p>
+        </p:txBody>
+      </p:sp>
+      <p:sp>
+        <p:nvSpPr>
+          <p:cNvPr id="4" name="Retângulo 3">
+            <a:extLst>
+              <a:ext uri="{FF2B5EF4-FFF2-40B4-BE49-F238E27FC236}">
+                <a16:creationId xmlns:a16="http://schemas.microsoft.com/office/drawing/2014/main" id="{D08719D3-5677-4B77-A5D0-CAE51309AF8E}"/>
+              </a:ext>
+            </a:extLst>
+          </p:cNvPr>
+          <p:cNvSpPr/>
+          <p:nvPr/>
+        </p:nvSpPr>
+        <p:spPr>
+          <a:xfrm>
+            <a:off x="1054100" y="3643405"/>
+            <a:ext cx="10083800" cy="1754326"/>
+          </a:xfrm>
+          <a:prstGeom prst="rect">
+            <a:avLst/>
+          </a:prstGeom>
+        </p:spPr>
+        <p:txBody>
+          <a:bodyPr wrap="square">
+            <a:spAutoFit/>
+          </a:bodyPr>
+          <a:lstStyle/>
+          <a:p>
+            <a:r>
+              <a:rPr lang="pt-BR" b="1" dirty="0" err="1">
+                <a:solidFill>
+                  <a:srgbClr val="7F0055"/>
+                </a:solidFill>
+                <a:latin typeface="Consolas" panose="020B0609020204030204" pitchFamily="49" charset="0"/>
+              </a:rPr>
+              <a:t>try</a:t>
+            </a:r>
+            <a:r>
+              <a:rPr lang="pt-BR" dirty="0">
+                <a:solidFill>
+                  <a:srgbClr val="000000"/>
+                </a:solidFill>
+                <a:latin typeface="Consolas" panose="020B0609020204030204" pitchFamily="49" charset="0"/>
+              </a:rPr>
+              <a:t> {</a:t>
+            </a:r>
+          </a:p>
+          <a:p>
+            <a:pPr indent="457200"/>
+            <a:r>
+              <a:rPr lang="pt-BR" dirty="0" err="1">
+                <a:solidFill>
+                  <a:srgbClr val="000000"/>
+                </a:solidFill>
+                <a:latin typeface="Consolas" panose="020B0609020204030204" pitchFamily="49" charset="0"/>
+              </a:rPr>
+              <a:t>BufferedReader</a:t>
+            </a:r>
+            <a:r>
+              <a:rPr lang="pt-BR" dirty="0">
+                <a:solidFill>
+                  <a:srgbClr val="000000"/>
+                </a:solidFill>
+                <a:latin typeface="Consolas" panose="020B0609020204030204" pitchFamily="49" charset="0"/>
+              </a:rPr>
+              <a:t> </a:t>
+            </a:r>
+            <a:r>
+              <a:rPr lang="pt-BR" dirty="0" err="1">
+                <a:solidFill>
+                  <a:srgbClr val="6A3E3E"/>
+                </a:solidFill>
+                <a:latin typeface="Consolas" panose="020B0609020204030204" pitchFamily="49" charset="0"/>
+              </a:rPr>
+              <a:t>reader</a:t>
+            </a:r>
+            <a:r>
+              <a:rPr lang="pt-BR" dirty="0">
+                <a:solidFill>
+                  <a:srgbClr val="000000"/>
+                </a:solidFill>
+                <a:latin typeface="Consolas" panose="020B0609020204030204" pitchFamily="49" charset="0"/>
+              </a:rPr>
+              <a:t> = </a:t>
+            </a:r>
+            <a:r>
+              <a:rPr lang="pt-BR" b="1" dirty="0">
+                <a:solidFill>
+                  <a:srgbClr val="7F0055"/>
+                </a:solidFill>
+                <a:latin typeface="Consolas" panose="020B0609020204030204" pitchFamily="49" charset="0"/>
+              </a:rPr>
+              <a:t>new</a:t>
+            </a:r>
+            <a:r>
+              <a:rPr lang="pt-BR" dirty="0">
+                <a:solidFill>
+                  <a:srgbClr val="000000"/>
+                </a:solidFill>
+                <a:latin typeface="Consolas" panose="020B0609020204030204" pitchFamily="49" charset="0"/>
+              </a:rPr>
+              <a:t> </a:t>
+            </a:r>
+            <a:r>
+              <a:rPr lang="pt-BR" dirty="0" err="1">
+                <a:solidFill>
+                  <a:srgbClr val="000000"/>
+                </a:solidFill>
+                <a:latin typeface="Consolas" panose="020B0609020204030204" pitchFamily="49" charset="0"/>
+              </a:rPr>
+              <a:t>BufferedReader</a:t>
+            </a:r>
+            <a:r>
+              <a:rPr lang="pt-BR" dirty="0">
+                <a:solidFill>
+                  <a:srgbClr val="000000"/>
+                </a:solidFill>
+                <a:latin typeface="Consolas" panose="020B0609020204030204" pitchFamily="49" charset="0"/>
+              </a:rPr>
+              <a:t>(</a:t>
+            </a:r>
+            <a:r>
+              <a:rPr lang="pt-BR" b="1" dirty="0">
+                <a:solidFill>
+                  <a:srgbClr val="7F0055"/>
+                </a:solidFill>
+                <a:latin typeface="Consolas" panose="020B0609020204030204" pitchFamily="49" charset="0"/>
+              </a:rPr>
+              <a:t>new</a:t>
+            </a:r>
+            <a:r>
+              <a:rPr lang="pt-BR" dirty="0">
+                <a:solidFill>
+                  <a:srgbClr val="000000"/>
+                </a:solidFill>
+                <a:latin typeface="Consolas" panose="020B0609020204030204" pitchFamily="49" charset="0"/>
+              </a:rPr>
+              <a:t> </a:t>
+            </a:r>
+            <a:r>
+              <a:rPr lang="pt-BR" dirty="0" err="1">
+                <a:solidFill>
+                  <a:srgbClr val="000000"/>
+                </a:solidFill>
+                <a:latin typeface="Consolas" panose="020B0609020204030204" pitchFamily="49" charset="0"/>
+              </a:rPr>
+              <a:t>FileReader</a:t>
+            </a:r>
+            <a:r>
+              <a:rPr lang="pt-BR" dirty="0">
+                <a:solidFill>
+                  <a:srgbClr val="000000"/>
+                </a:solidFill>
+                <a:latin typeface="Consolas" panose="020B0609020204030204" pitchFamily="49" charset="0"/>
+              </a:rPr>
+              <a:t>(</a:t>
+            </a:r>
+            <a:r>
+              <a:rPr lang="pt-BR" dirty="0">
+                <a:solidFill>
+                  <a:srgbClr val="2A00FF"/>
+                </a:solidFill>
+                <a:latin typeface="Consolas" panose="020B0609020204030204" pitchFamily="49" charset="0"/>
+              </a:rPr>
+              <a:t>"arquivo.txt"</a:t>
+            </a:r>
+            <a:r>
+              <a:rPr lang="pt-BR" dirty="0">
+                <a:solidFill>
+                  <a:srgbClr val="000000"/>
+                </a:solidFill>
+                <a:latin typeface="Consolas" panose="020B0609020204030204" pitchFamily="49" charset="0"/>
+              </a:rPr>
+              <a:t>));</a:t>
+            </a:r>
+          </a:p>
+          <a:p>
+            <a:pPr indent="457200"/>
+            <a:r>
+              <a:rPr lang="pt-BR" dirty="0" err="1">
+                <a:solidFill>
+                  <a:srgbClr val="000000"/>
+                </a:solidFill>
+                <a:latin typeface="Consolas" panose="020B0609020204030204" pitchFamily="49" charset="0"/>
+              </a:rPr>
+              <a:t>String</a:t>
+            </a:r>
+            <a:r>
+              <a:rPr lang="pt-BR" dirty="0">
+                <a:solidFill>
+                  <a:srgbClr val="000000"/>
+                </a:solidFill>
+                <a:latin typeface="Consolas" panose="020B0609020204030204" pitchFamily="49" charset="0"/>
+              </a:rPr>
+              <a:t> </a:t>
+            </a:r>
+            <a:r>
+              <a:rPr lang="pt-BR" dirty="0">
+                <a:solidFill>
+                  <a:srgbClr val="6A3E3E"/>
+                </a:solidFill>
+                <a:latin typeface="Consolas" panose="020B0609020204030204" pitchFamily="49" charset="0"/>
+              </a:rPr>
+              <a:t>linha</a:t>
+            </a:r>
+            <a:r>
+              <a:rPr lang="pt-BR" dirty="0">
+                <a:solidFill>
+                  <a:srgbClr val="000000"/>
+                </a:solidFill>
+                <a:latin typeface="Consolas" panose="020B0609020204030204" pitchFamily="49" charset="0"/>
+              </a:rPr>
+              <a:t> = </a:t>
+            </a:r>
+            <a:r>
+              <a:rPr lang="pt-BR" dirty="0" err="1">
+                <a:solidFill>
+                  <a:srgbClr val="6A3E3E"/>
+                </a:solidFill>
+                <a:latin typeface="Consolas" panose="020B0609020204030204" pitchFamily="49" charset="0"/>
+              </a:rPr>
+              <a:t>reader</a:t>
+            </a:r>
+            <a:r>
+              <a:rPr lang="pt-BR" dirty="0" err="1">
+                <a:solidFill>
+                  <a:srgbClr val="000000"/>
+                </a:solidFill>
+                <a:latin typeface="Consolas" panose="020B0609020204030204" pitchFamily="49" charset="0"/>
+              </a:rPr>
+              <a:t>.readLine</a:t>
+            </a:r>
+            <a:r>
+              <a:rPr lang="pt-BR" dirty="0">
+                <a:solidFill>
+                  <a:srgbClr val="000000"/>
+                </a:solidFill>
+                <a:latin typeface="Consolas" panose="020B0609020204030204" pitchFamily="49" charset="0"/>
+              </a:rPr>
+              <a:t>();</a:t>
+            </a:r>
+          </a:p>
+          <a:p>
+            <a:r>
+              <a:rPr lang="pt-BR" dirty="0">
+                <a:solidFill>
+                  <a:srgbClr val="000000"/>
+                </a:solidFill>
+                <a:latin typeface="Consolas" panose="020B0609020204030204" pitchFamily="49" charset="0"/>
+              </a:rPr>
+              <a:t>} </a:t>
+            </a:r>
+            <a:r>
+              <a:rPr lang="pt-BR" b="1" dirty="0">
+                <a:solidFill>
+                  <a:srgbClr val="7F0055"/>
+                </a:solidFill>
+                <a:latin typeface="Consolas" panose="020B0609020204030204" pitchFamily="49" charset="0"/>
+              </a:rPr>
+              <a:t>catch</a:t>
+            </a:r>
+            <a:r>
+              <a:rPr lang="pt-BR" dirty="0">
+                <a:solidFill>
+                  <a:srgbClr val="000000"/>
+                </a:solidFill>
+                <a:latin typeface="Consolas" panose="020B0609020204030204" pitchFamily="49" charset="0"/>
+              </a:rPr>
+              <a:t> (</a:t>
+            </a:r>
+            <a:r>
+              <a:rPr lang="pt-BR" dirty="0" err="1">
+                <a:solidFill>
+                  <a:srgbClr val="000000"/>
+                </a:solidFill>
+                <a:latin typeface="Consolas" panose="020B0609020204030204" pitchFamily="49" charset="0"/>
+              </a:rPr>
+              <a:t>IOException</a:t>
+            </a:r>
+            <a:r>
+              <a:rPr lang="pt-BR" dirty="0">
+                <a:solidFill>
+                  <a:srgbClr val="000000"/>
+                </a:solidFill>
+                <a:latin typeface="Consolas" panose="020B0609020204030204" pitchFamily="49" charset="0"/>
+              </a:rPr>
+              <a:t> </a:t>
+            </a:r>
+            <a:r>
+              <a:rPr lang="pt-BR" dirty="0">
+                <a:solidFill>
+                  <a:srgbClr val="6A3E3E"/>
+                </a:solidFill>
+                <a:latin typeface="Consolas" panose="020B0609020204030204" pitchFamily="49" charset="0"/>
+              </a:rPr>
+              <a:t>e</a:t>
+            </a:r>
+            <a:r>
+              <a:rPr lang="pt-BR" dirty="0">
+                <a:solidFill>
+                  <a:srgbClr val="000000"/>
+                </a:solidFill>
+                <a:latin typeface="Consolas" panose="020B0609020204030204" pitchFamily="49" charset="0"/>
+              </a:rPr>
+              <a:t>) {</a:t>
+            </a:r>
+          </a:p>
+          <a:p>
+            <a:pPr indent="457200"/>
+            <a:r>
+              <a:rPr lang="pt-BR" dirty="0" err="1">
+                <a:solidFill>
+                  <a:srgbClr val="000000"/>
+                </a:solidFill>
+                <a:latin typeface="Consolas" panose="020B0609020204030204" pitchFamily="49" charset="0"/>
+              </a:rPr>
+              <a:t>System.</a:t>
+            </a:r>
+            <a:r>
+              <a:rPr lang="pt-BR" b="1" i="1" dirty="0" err="1">
+                <a:solidFill>
+                  <a:srgbClr val="0000C0"/>
+                </a:solidFill>
+                <a:latin typeface="Consolas" panose="020B0609020204030204" pitchFamily="49" charset="0"/>
+              </a:rPr>
+              <a:t>out</a:t>
+            </a:r>
+            <a:r>
+              <a:rPr lang="pt-BR" dirty="0" err="1">
+                <a:solidFill>
+                  <a:srgbClr val="000000"/>
+                </a:solidFill>
+                <a:latin typeface="Consolas" panose="020B0609020204030204" pitchFamily="49" charset="0"/>
+              </a:rPr>
+              <a:t>.println</a:t>
+            </a:r>
+            <a:r>
+              <a:rPr lang="pt-BR" dirty="0">
+                <a:solidFill>
+                  <a:srgbClr val="000000"/>
+                </a:solidFill>
+                <a:latin typeface="Consolas" panose="020B0609020204030204" pitchFamily="49" charset="0"/>
+              </a:rPr>
+              <a:t>(</a:t>
+            </a:r>
+            <a:r>
+              <a:rPr lang="pt-BR" dirty="0">
+                <a:solidFill>
+                  <a:srgbClr val="2A00FF"/>
+                </a:solidFill>
+                <a:latin typeface="Consolas" panose="020B0609020204030204" pitchFamily="49" charset="0"/>
+              </a:rPr>
+              <a:t>"Erro: Falha na operação de entrada/saída."</a:t>
+            </a:r>
+            <a:r>
+              <a:rPr lang="pt-BR" dirty="0">
+                <a:solidFill>
+                  <a:srgbClr val="000000"/>
+                </a:solidFill>
+                <a:latin typeface="Consolas" panose="020B0609020204030204" pitchFamily="49" charset="0"/>
+              </a:rPr>
+              <a:t>);</a:t>
+            </a:r>
+          </a:p>
+          <a:p>
+            <a:r>
+              <a:rPr lang="pt-BR" dirty="0">
+                <a:solidFill>
+                  <a:srgbClr val="000000"/>
+                </a:solidFill>
+                <a:latin typeface="Consolas" panose="020B0609020204030204" pitchFamily="49" charset="0"/>
+              </a:rPr>
+              <a:t>}</a:t>
+            </a:r>
+          </a:p>
+        </p:txBody>
+      </p:sp>
+    </p:spTree>
+    <p:extLst>
+      <p:ext uri="{BB962C8B-B14F-4D97-AF65-F5344CB8AC3E}">
+        <p14:creationId xmlns:p14="http://schemas.microsoft.com/office/powerpoint/2010/main" val="1358870762"/>
+      </p:ext>
+    </p:extLst>
+  </p:cSld>
+  <p:clrMapOvr>
+    <a:masterClrMapping/>
+  </p:clrMapOvr>
+</p:sld>
+</file>
+
+<file path=ppt/slides/slide13.xml><?xml version="1.0" encoding="utf-8"?>
+<p:sld xmlns:a="http://schemas.openxmlformats.org/drawingml/2006/main" xmlns:r="http://schemas.openxmlformats.org/officeDocument/2006/relationships" xmlns:p="http://schemas.openxmlformats.org/presentationml/2006/main">
+  <p:cSld>
+    <p:spTree>
+      <p:nvGrpSpPr>
+        <p:cNvPr id="1" name=""/>
+        <p:cNvGrpSpPr/>
+        <p:nvPr/>
+      </p:nvGrpSpPr>
+      <p:grpSpPr>
+        <a:xfrm>
+          <a:off x="0" y="0"/>
+          <a:ext cx="0" cy="0"/>
+          <a:chOff x="0" y="0"/>
+          <a:chExt cx="0" cy="0"/>
+        </a:xfrm>
+      </p:grpSpPr>
+      <p:sp>
+        <p:nvSpPr>
+          <p:cNvPr id="2" name="Título 1">
+            <a:extLst>
+              <a:ext uri="{FF2B5EF4-FFF2-40B4-BE49-F238E27FC236}">
+                <a16:creationId xmlns:a16="http://schemas.microsoft.com/office/drawing/2014/main" id="{C1CDE039-655F-4967-9969-4D63BDCDC632}"/>
+              </a:ext>
+            </a:extLst>
+          </p:cNvPr>
+          <p:cNvSpPr>
+            <a:spLocks noGrp="1"/>
+          </p:cNvSpPr>
+          <p:nvPr>
+            <p:ph type="title"/>
+          </p:nvPr>
+        </p:nvSpPr>
+        <p:spPr/>
+        <p:txBody>
+          <a:bodyPr/>
+          <a:lstStyle/>
+          <a:p>
+            <a:r>
+              <a:rPr lang="pt-BR" dirty="0"/>
+              <a:t>Bloco </a:t>
+            </a:r>
+            <a:r>
+              <a:rPr lang="pt-BR" dirty="0" err="1"/>
+              <a:t>finally</a:t>
+            </a:r>
+            <a:r>
+              <a:rPr lang="pt-BR" dirty="0"/>
+              <a:t> em Java</a:t>
+            </a:r>
+          </a:p>
+        </p:txBody>
+      </p:sp>
+      <p:sp>
+        <p:nvSpPr>
+          <p:cNvPr id="3" name="Espaço Reservado para Conteúdo 2">
+            <a:extLst>
+              <a:ext uri="{FF2B5EF4-FFF2-40B4-BE49-F238E27FC236}">
+                <a16:creationId xmlns:a16="http://schemas.microsoft.com/office/drawing/2014/main" id="{57A335C2-60B8-47CD-9607-DE672FC49767}"/>
+              </a:ext>
+            </a:extLst>
+          </p:cNvPr>
+          <p:cNvSpPr>
+            <a:spLocks noGrp="1"/>
+          </p:cNvSpPr>
+          <p:nvPr>
+            <p:ph idx="1"/>
+          </p:nvPr>
+        </p:nvSpPr>
+        <p:spPr/>
+        <p:txBody>
+          <a:bodyPr/>
+          <a:lstStyle/>
+          <a:p>
+            <a:r>
+              <a:rPr lang="pt-BR" dirty="0"/>
+              <a:t>O bloco </a:t>
+            </a:r>
+            <a:r>
+              <a:rPr lang="pt-BR" dirty="0" err="1"/>
+              <a:t>finally</a:t>
+            </a:r>
+            <a:r>
+              <a:rPr lang="pt-BR" dirty="0"/>
+              <a:t> garante que um conjunto de instruções seja sempre executado, independentemente de uma exceção ter sido ou não lançada no bloco </a:t>
+            </a:r>
+            <a:r>
+              <a:rPr lang="pt-BR" dirty="0" err="1"/>
+              <a:t>try</a:t>
+            </a:r>
+            <a:r>
+              <a:rPr lang="pt-BR" dirty="0"/>
+              <a:t>.</a:t>
+            </a:r>
+          </a:p>
+          <a:p>
+            <a:r>
+              <a:rPr lang="pt-BR" dirty="0"/>
+              <a:t>Funcionalidade:</a:t>
+            </a:r>
+          </a:p>
+          <a:p>
+            <a:pPr marL="1028700" lvl="1" indent="-342900"/>
+            <a:r>
+              <a:rPr lang="pt-BR" dirty="0"/>
+              <a:t>Garantia de execução: O código dentro do bloco </a:t>
+            </a:r>
+            <a:r>
+              <a:rPr lang="pt-BR" dirty="0" err="1"/>
+              <a:t>finally</a:t>
+            </a:r>
+            <a:r>
+              <a:rPr lang="pt-BR" dirty="0"/>
+              <a:t> será executado sempre, independentemente de exceções.</a:t>
+            </a:r>
+          </a:p>
+          <a:p>
+            <a:pPr marL="1028700" lvl="1" indent="-342900"/>
+            <a:r>
+              <a:rPr lang="pt-BR" dirty="0"/>
+              <a:t>Execução: O bloco </a:t>
+            </a:r>
+            <a:r>
+              <a:rPr lang="pt-BR" dirty="0" err="1"/>
+              <a:t>finally</a:t>
+            </a:r>
+            <a:r>
+              <a:rPr lang="pt-BR" dirty="0"/>
+              <a:t> é executado após o </a:t>
+            </a:r>
+            <a:r>
+              <a:rPr lang="pt-BR" dirty="0" err="1"/>
+              <a:t>try</a:t>
+            </a:r>
+            <a:r>
+              <a:rPr lang="pt-BR" dirty="0"/>
+              <a:t> e catch, garantindo que ações de limpeza ou liberação de recursos sejam feitas.</a:t>
+            </a:r>
+          </a:p>
+          <a:p>
+            <a:pPr marL="1028700" lvl="1" indent="-342900"/>
+            <a:r>
+              <a:rPr lang="pt-BR" dirty="0"/>
+              <a:t>Importante: Mesmo que uma exceção não seja tratada no catch, o </a:t>
+            </a:r>
+            <a:r>
+              <a:rPr lang="pt-BR" dirty="0" err="1"/>
+              <a:t>finally</a:t>
+            </a:r>
+            <a:r>
+              <a:rPr lang="pt-BR" dirty="0"/>
+              <a:t> será executado antes do término do programa.</a:t>
+            </a:r>
+          </a:p>
+        </p:txBody>
+      </p:sp>
+    </p:spTree>
+    <p:extLst>
+      <p:ext uri="{BB962C8B-B14F-4D97-AF65-F5344CB8AC3E}">
+        <p14:creationId xmlns:p14="http://schemas.microsoft.com/office/powerpoint/2010/main" val="2014043522"/>
+      </p:ext>
+    </p:extLst>
+  </p:cSld>
+  <p:clrMapOvr>
+    <a:masterClrMapping/>
+  </p:clrMapOvr>
+</p:sld>
+</file>
+
+<file path=ppt/slides/slide14.xml><?xml version="1.0" encoding="utf-8"?>
+<p:sld xmlns:a="http://schemas.openxmlformats.org/drawingml/2006/main" xmlns:r="http://schemas.openxmlformats.org/officeDocument/2006/relationships" xmlns:p="http://schemas.openxmlformats.org/presentationml/2006/main">
+  <p:cSld>
+    <p:spTree>
+      <p:nvGrpSpPr>
+        <p:cNvPr id="1" name=""/>
+        <p:cNvGrpSpPr/>
+        <p:nvPr/>
+      </p:nvGrpSpPr>
+      <p:grpSpPr>
+        <a:xfrm>
+          <a:off x="0" y="0"/>
+          <a:ext cx="0" cy="0"/>
+          <a:chOff x="0" y="0"/>
+          <a:chExt cx="0" cy="0"/>
+        </a:xfrm>
+      </p:grpSpPr>
+      <p:sp>
+        <p:nvSpPr>
+          <p:cNvPr id="2" name="Título 1">
+            <a:extLst>
+              <a:ext uri="{FF2B5EF4-FFF2-40B4-BE49-F238E27FC236}">
+                <a16:creationId xmlns:a16="http://schemas.microsoft.com/office/drawing/2014/main" id="{9783F6B5-F482-4C51-865A-0F19EB7A6407}"/>
+              </a:ext>
+            </a:extLst>
+          </p:cNvPr>
+          <p:cNvSpPr>
+            <a:spLocks noGrp="1"/>
+          </p:cNvSpPr>
+          <p:nvPr>
+            <p:ph type="title"/>
+          </p:nvPr>
+        </p:nvSpPr>
+        <p:spPr/>
+        <p:txBody>
+          <a:bodyPr/>
+          <a:lstStyle/>
+          <a:p>
+            <a:r>
+              <a:rPr lang="pt-BR" dirty="0"/>
+              <a:t>Sintaxe </a:t>
+            </a:r>
+            <a:r>
+              <a:rPr lang="pt-BR" dirty="0" err="1"/>
+              <a:t>Finally</a:t>
+            </a:r>
+            <a:endParaRPr lang="pt-BR" dirty="0"/>
+          </a:p>
+        </p:txBody>
+      </p:sp>
+      <p:sp>
+        <p:nvSpPr>
+          <p:cNvPr id="4" name="Retângulo 3">
+            <a:extLst>
+              <a:ext uri="{FF2B5EF4-FFF2-40B4-BE49-F238E27FC236}">
+                <a16:creationId xmlns:a16="http://schemas.microsoft.com/office/drawing/2014/main" id="{3E36BC53-4EFD-4289-B2CC-0F3108870068}"/>
+              </a:ext>
+            </a:extLst>
+          </p:cNvPr>
+          <p:cNvSpPr/>
+          <p:nvPr/>
+        </p:nvSpPr>
+        <p:spPr>
+          <a:xfrm>
+            <a:off x="2510366" y="2966072"/>
+            <a:ext cx="7171268" cy="2339102"/>
+          </a:xfrm>
+          <a:prstGeom prst="rect">
+            <a:avLst/>
+          </a:prstGeom>
+        </p:spPr>
+        <p:txBody>
+          <a:bodyPr wrap="square">
+            <a:spAutoFit/>
+          </a:bodyPr>
+          <a:lstStyle/>
+          <a:p>
+            <a:pPr>
+              <a:spcBef>
+                <a:spcPts val="150"/>
+              </a:spcBef>
+              <a:spcAft>
+                <a:spcPts val="150"/>
+              </a:spcAft>
+            </a:pPr>
+            <a:r>
+              <a:rPr lang="pt-BR" b="1" dirty="0" err="1">
+                <a:solidFill>
+                  <a:srgbClr val="7F0055"/>
+                </a:solidFill>
+                <a:latin typeface="Consolas" panose="020B0609020204030204" pitchFamily="49" charset="0"/>
+              </a:rPr>
+              <a:t>try</a:t>
+            </a:r>
+            <a:r>
+              <a:rPr lang="pt-BR" dirty="0">
+                <a:solidFill>
+                  <a:srgbClr val="000000"/>
+                </a:solidFill>
+                <a:latin typeface="Consolas" panose="020B0609020204030204" pitchFamily="49" charset="0"/>
+              </a:rPr>
+              <a:t> {</a:t>
+            </a:r>
+          </a:p>
+          <a:p>
+            <a:pPr indent="457200">
+              <a:spcBef>
+                <a:spcPts val="150"/>
+              </a:spcBef>
+              <a:spcAft>
+                <a:spcPts val="150"/>
+              </a:spcAft>
+            </a:pPr>
+            <a:r>
+              <a:rPr lang="pt-BR" dirty="0">
+                <a:solidFill>
+                  <a:srgbClr val="3F7F5F"/>
+                </a:solidFill>
+                <a:latin typeface="Consolas" panose="020B0609020204030204" pitchFamily="49" charset="0"/>
+              </a:rPr>
+              <a:t>// Bloco de código onde pode ocorrer uma exceção</a:t>
+            </a:r>
+            <a:endParaRPr lang="pt-BR" dirty="0">
+              <a:solidFill>
+                <a:srgbClr val="000000"/>
+              </a:solidFill>
+              <a:latin typeface="Consolas" panose="020B0609020204030204" pitchFamily="49" charset="0"/>
+            </a:endParaRPr>
+          </a:p>
+          <a:p>
+            <a:pPr>
+              <a:spcBef>
+                <a:spcPts val="150"/>
+              </a:spcBef>
+              <a:spcAft>
+                <a:spcPts val="150"/>
+              </a:spcAft>
+            </a:pPr>
+            <a:r>
+              <a:rPr lang="pt-BR" dirty="0">
+                <a:solidFill>
+                  <a:srgbClr val="000000"/>
+                </a:solidFill>
+                <a:latin typeface="Consolas" panose="020B0609020204030204" pitchFamily="49" charset="0"/>
+              </a:rPr>
+              <a:t>} </a:t>
+            </a:r>
+            <a:r>
+              <a:rPr lang="pt-BR" b="1" dirty="0">
+                <a:solidFill>
+                  <a:srgbClr val="7F0055"/>
+                </a:solidFill>
+                <a:latin typeface="Consolas" panose="020B0609020204030204" pitchFamily="49" charset="0"/>
+              </a:rPr>
+              <a:t>catch</a:t>
+            </a:r>
+            <a:r>
+              <a:rPr lang="pt-BR" dirty="0">
+                <a:solidFill>
+                  <a:srgbClr val="000000"/>
+                </a:solidFill>
+                <a:latin typeface="Consolas" panose="020B0609020204030204" pitchFamily="49" charset="0"/>
+              </a:rPr>
+              <a:t> (</a:t>
+            </a:r>
+            <a:r>
+              <a:rPr lang="pt-BR" dirty="0" err="1">
+                <a:solidFill>
+                  <a:srgbClr val="000000"/>
+                </a:solidFill>
+                <a:latin typeface="Consolas" panose="020B0609020204030204" pitchFamily="49" charset="0"/>
+              </a:rPr>
+              <a:t>Exception</a:t>
+            </a:r>
+            <a:r>
+              <a:rPr lang="pt-BR" dirty="0">
+                <a:solidFill>
+                  <a:srgbClr val="000000"/>
+                </a:solidFill>
+                <a:latin typeface="Consolas" panose="020B0609020204030204" pitchFamily="49" charset="0"/>
+              </a:rPr>
+              <a:t> </a:t>
+            </a:r>
+            <a:r>
+              <a:rPr lang="pt-BR" dirty="0">
+                <a:solidFill>
+                  <a:srgbClr val="6A3E3E"/>
+                </a:solidFill>
+                <a:latin typeface="Consolas" panose="020B0609020204030204" pitchFamily="49" charset="0"/>
+              </a:rPr>
+              <a:t>e</a:t>
+            </a:r>
+            <a:r>
+              <a:rPr lang="pt-BR" dirty="0">
+                <a:solidFill>
+                  <a:srgbClr val="000000"/>
+                </a:solidFill>
+                <a:latin typeface="Consolas" panose="020B0609020204030204" pitchFamily="49" charset="0"/>
+              </a:rPr>
+              <a:t>) {</a:t>
+            </a:r>
+          </a:p>
+          <a:p>
+            <a:pPr indent="457200">
+              <a:spcBef>
+                <a:spcPts val="150"/>
+              </a:spcBef>
+              <a:spcAft>
+                <a:spcPts val="150"/>
+              </a:spcAft>
+            </a:pPr>
+            <a:r>
+              <a:rPr lang="pt-BR" dirty="0">
+                <a:solidFill>
+                  <a:srgbClr val="3F7F5F"/>
+                </a:solidFill>
+                <a:latin typeface="Consolas" panose="020B0609020204030204" pitchFamily="49" charset="0"/>
+              </a:rPr>
+              <a:t>// Bloco de código onde pode ocorrer uma exceção</a:t>
+            </a:r>
+            <a:endParaRPr lang="pt-BR" dirty="0">
+              <a:solidFill>
+                <a:srgbClr val="000000"/>
+              </a:solidFill>
+              <a:latin typeface="Consolas" panose="020B0609020204030204" pitchFamily="49" charset="0"/>
+            </a:endParaRPr>
+          </a:p>
+          <a:p>
+            <a:pPr>
+              <a:spcBef>
+                <a:spcPts val="150"/>
+              </a:spcBef>
+              <a:spcAft>
+                <a:spcPts val="150"/>
+              </a:spcAft>
+            </a:pPr>
+            <a:r>
+              <a:rPr lang="pt-BR" dirty="0">
+                <a:solidFill>
+                  <a:srgbClr val="000000"/>
+                </a:solidFill>
+                <a:latin typeface="Consolas" panose="020B0609020204030204" pitchFamily="49" charset="0"/>
+              </a:rPr>
+              <a:t>} </a:t>
+            </a:r>
+            <a:r>
+              <a:rPr lang="pt-BR" b="1" dirty="0" err="1">
+                <a:solidFill>
+                  <a:srgbClr val="7F0055"/>
+                </a:solidFill>
+                <a:latin typeface="Consolas" panose="020B0609020204030204" pitchFamily="49" charset="0"/>
+              </a:rPr>
+              <a:t>finally</a:t>
+            </a:r>
+            <a:r>
+              <a:rPr lang="pt-BR" dirty="0">
+                <a:solidFill>
+                  <a:srgbClr val="000000"/>
+                </a:solidFill>
+                <a:latin typeface="Consolas" panose="020B0609020204030204" pitchFamily="49" charset="0"/>
+              </a:rPr>
+              <a:t> {</a:t>
+            </a:r>
+          </a:p>
+          <a:p>
+            <a:pPr indent="457200">
+              <a:spcBef>
+                <a:spcPts val="150"/>
+              </a:spcBef>
+              <a:spcAft>
+                <a:spcPts val="150"/>
+              </a:spcAft>
+            </a:pPr>
+            <a:r>
+              <a:rPr lang="pt-BR" dirty="0">
+                <a:solidFill>
+                  <a:srgbClr val="3F7F5F"/>
+                </a:solidFill>
+                <a:latin typeface="Consolas" panose="020B0609020204030204" pitchFamily="49" charset="0"/>
+              </a:rPr>
+              <a:t>// Bloco de código que será sempre executado</a:t>
+            </a:r>
+            <a:endParaRPr lang="pt-BR" dirty="0">
+              <a:solidFill>
+                <a:srgbClr val="000000"/>
+              </a:solidFill>
+              <a:latin typeface="Consolas" panose="020B0609020204030204" pitchFamily="49" charset="0"/>
+            </a:endParaRPr>
+          </a:p>
+          <a:p>
+            <a:pPr>
+              <a:spcBef>
+                <a:spcPts val="150"/>
+              </a:spcBef>
+              <a:spcAft>
+                <a:spcPts val="150"/>
+              </a:spcAft>
+            </a:pPr>
+            <a:r>
+              <a:rPr lang="pt-BR" dirty="0">
+                <a:solidFill>
+                  <a:srgbClr val="000000"/>
+                </a:solidFill>
+                <a:latin typeface="Consolas" panose="020B0609020204030204" pitchFamily="49" charset="0"/>
+              </a:rPr>
+              <a:t>}</a:t>
+            </a:r>
+          </a:p>
+        </p:txBody>
+      </p:sp>
+    </p:spTree>
+    <p:extLst>
+      <p:ext uri="{BB962C8B-B14F-4D97-AF65-F5344CB8AC3E}">
+        <p14:creationId xmlns:p14="http://schemas.microsoft.com/office/powerpoint/2010/main" val="2371326238"/>
+      </p:ext>
+    </p:extLst>
+  </p:cSld>
+  <p:clrMapOvr>
+    <a:masterClrMapping/>
+  </p:clrMapOvr>
+</p:sld>
+</file>
+
+<file path=ppt/slides/slide15.xml><?xml version="1.0" encoding="utf-8"?>
+<p:sld xmlns:a="http://schemas.openxmlformats.org/drawingml/2006/main" xmlns:r="http://schemas.openxmlformats.org/officeDocument/2006/relationships" xmlns:p="http://schemas.openxmlformats.org/presentationml/2006/main">
+  <p:cSld>
+    <p:spTree>
+      <p:nvGrpSpPr>
+        <p:cNvPr id="1" name=""/>
+        <p:cNvGrpSpPr/>
+        <p:nvPr/>
+      </p:nvGrpSpPr>
+      <p:grpSpPr>
+        <a:xfrm>
+          <a:off x="0" y="0"/>
+          <a:ext cx="0" cy="0"/>
+          <a:chOff x="0" y="0"/>
+          <a:chExt cx="0" cy="0"/>
+        </a:xfrm>
+      </p:grpSpPr>
+      <p:sp>
+        <p:nvSpPr>
+          <p:cNvPr id="3" name="Espaço Reservado para Conteúdo 2">
+            <a:extLst>
+              <a:ext uri="{FF2B5EF4-FFF2-40B4-BE49-F238E27FC236}">
+                <a16:creationId xmlns:a16="http://schemas.microsoft.com/office/drawing/2014/main" id="{D2FEB74B-2001-4D53-A749-A65E0701DB8F}"/>
+              </a:ext>
+            </a:extLst>
+          </p:cNvPr>
+          <p:cNvSpPr>
+            <a:spLocks noGrp="1"/>
+          </p:cNvSpPr>
+          <p:nvPr>
+            <p:ph idx="1"/>
+          </p:nvPr>
+        </p:nvSpPr>
+        <p:spPr/>
+        <p:txBody>
+          <a:bodyPr/>
+          <a:lstStyle/>
+          <a:p>
+            <a:r>
+              <a:rPr lang="pt-BR" sz="1800" dirty="0"/>
+              <a:t>O </a:t>
+            </a:r>
+            <a:r>
+              <a:rPr lang="pt-BR" sz="1800" dirty="0" err="1"/>
+              <a:t>throws</a:t>
+            </a:r>
+            <a:r>
+              <a:rPr lang="pt-BR" sz="1800" dirty="0"/>
+              <a:t> é uma palavra-chave em Java usada para indicar que um método pode lançar exceções. Ele é colocado após a assinatura do método e serve para declarar exceções que podem ser propagadas para o método chamador, que deve tratá-las ou propagá-las. O </a:t>
+            </a:r>
+            <a:r>
+              <a:rPr lang="pt-BR" sz="1800" dirty="0" err="1"/>
+              <a:t>throws</a:t>
+            </a:r>
+            <a:r>
+              <a:rPr lang="pt-BR" sz="1800" dirty="0"/>
+              <a:t> é obrigatório quando o método pode lançar exceções verificadas como: </a:t>
+            </a:r>
+          </a:p>
+          <a:p>
+            <a:pPr marL="971550" lvl="1" indent="-285750"/>
+            <a:r>
+              <a:rPr lang="pt-BR" sz="1400" dirty="0" err="1"/>
+              <a:t>IOException</a:t>
+            </a:r>
+            <a:endParaRPr lang="pt-BR" sz="1400" dirty="0"/>
+          </a:p>
+          <a:p>
+            <a:pPr marL="971550" lvl="1" indent="-285750"/>
+            <a:r>
+              <a:rPr lang="pt-BR" sz="1400" dirty="0" err="1"/>
+              <a:t>SQLException</a:t>
+            </a:r>
+            <a:endParaRPr lang="pt-BR" sz="1400" dirty="0"/>
+          </a:p>
+          <a:p>
+            <a:pPr marL="971550" lvl="1" indent="-285750"/>
+            <a:r>
+              <a:rPr lang="pt-BR" sz="1400" dirty="0" err="1"/>
+              <a:t>ClassNotFoundException</a:t>
+            </a:r>
+            <a:endParaRPr lang="pt-BR" sz="1400" dirty="0"/>
+          </a:p>
+        </p:txBody>
+      </p:sp>
+      <p:sp>
+        <p:nvSpPr>
+          <p:cNvPr id="5" name="Título 4">
+            <a:extLst>
+              <a:ext uri="{FF2B5EF4-FFF2-40B4-BE49-F238E27FC236}">
+                <a16:creationId xmlns:a16="http://schemas.microsoft.com/office/drawing/2014/main" id="{19DCBBF0-F7D3-4A2F-B2FC-A84121044ECF}"/>
+              </a:ext>
+            </a:extLst>
+          </p:cNvPr>
+          <p:cNvSpPr>
+            <a:spLocks noGrp="1"/>
+          </p:cNvSpPr>
+          <p:nvPr>
+            <p:ph type="title"/>
+          </p:nvPr>
+        </p:nvSpPr>
+        <p:spPr/>
+        <p:txBody>
+          <a:bodyPr/>
+          <a:lstStyle/>
+          <a:p>
+            <a:r>
+              <a:rPr lang="pt-BR" dirty="0"/>
+              <a:t>O que é o </a:t>
+            </a:r>
+            <a:r>
+              <a:rPr lang="pt-BR" dirty="0" err="1"/>
+              <a:t>throws</a:t>
+            </a:r>
+            <a:r>
+              <a:rPr lang="pt-BR" dirty="0"/>
+              <a:t> em Java?</a:t>
+            </a:r>
+          </a:p>
+        </p:txBody>
+      </p:sp>
+    </p:spTree>
+    <p:extLst>
+      <p:ext uri="{BB962C8B-B14F-4D97-AF65-F5344CB8AC3E}">
+        <p14:creationId xmlns:p14="http://schemas.microsoft.com/office/powerpoint/2010/main" val="181232611"/>
+      </p:ext>
+    </p:extLst>
+  </p:cSld>
+  <p:clrMapOvr>
+    <a:masterClrMapping/>
+  </p:clrMapOvr>
+</p:sld>
+</file>
+
+<file path=ppt/slides/slide16.xml><?xml version="1.0" encoding="utf-8"?>
+<p:sld xmlns:a="http://schemas.openxmlformats.org/drawingml/2006/main" xmlns:r="http://schemas.openxmlformats.org/officeDocument/2006/relationships" xmlns:p="http://schemas.openxmlformats.org/presentationml/2006/main">
+  <p:cSld>
+    <p:spTree>
+      <p:nvGrpSpPr>
+        <p:cNvPr id="1" name=""/>
+        <p:cNvGrpSpPr/>
+        <p:nvPr/>
+      </p:nvGrpSpPr>
+      <p:grpSpPr>
+        <a:xfrm>
+          <a:off x="0" y="0"/>
+          <a:ext cx="0" cy="0"/>
+          <a:chOff x="0" y="0"/>
+          <a:chExt cx="0" cy="0"/>
+        </a:xfrm>
+      </p:grpSpPr>
+      <p:sp>
+        <p:nvSpPr>
+          <p:cNvPr id="2" name="Título 1">
+            <a:extLst>
+              <a:ext uri="{FF2B5EF4-FFF2-40B4-BE49-F238E27FC236}">
+                <a16:creationId xmlns:a16="http://schemas.microsoft.com/office/drawing/2014/main" id="{C9AC5EA5-A9EA-4DAB-A3D5-3F667379B726}"/>
+              </a:ext>
+            </a:extLst>
+          </p:cNvPr>
+          <p:cNvSpPr>
+            <a:spLocks noGrp="1"/>
+          </p:cNvSpPr>
+          <p:nvPr>
+            <p:ph type="title"/>
+          </p:nvPr>
+        </p:nvSpPr>
+        <p:spPr/>
+        <p:txBody>
+          <a:bodyPr/>
+          <a:lstStyle/>
+          <a:p>
+            <a:r>
+              <a:rPr lang="pt-BR" dirty="0"/>
+              <a:t>Desafio: Conectando ao Banco de Dados com </a:t>
+            </a:r>
+            <a:r>
+              <a:rPr lang="pt-BR" dirty="0" err="1"/>
+              <a:t>throws</a:t>
+            </a:r>
+            <a:r>
+              <a:rPr lang="pt-BR" dirty="0"/>
+              <a:t> e </a:t>
+            </a:r>
+            <a:r>
+              <a:rPr lang="pt-BR" dirty="0" err="1"/>
+              <a:t>try</a:t>
+            </a:r>
+            <a:r>
+              <a:rPr lang="pt-BR" dirty="0"/>
+              <a:t>/catch</a:t>
+            </a:r>
+          </a:p>
+        </p:txBody>
+      </p:sp>
+      <p:sp>
+        <p:nvSpPr>
+          <p:cNvPr id="3" name="Espaço Reservado para Conteúdo 2">
+            <a:extLst>
+              <a:ext uri="{FF2B5EF4-FFF2-40B4-BE49-F238E27FC236}">
+                <a16:creationId xmlns:a16="http://schemas.microsoft.com/office/drawing/2014/main" id="{0155735D-1407-4F4C-8D5E-13BE159CF3B0}"/>
+              </a:ext>
+            </a:extLst>
+          </p:cNvPr>
+          <p:cNvSpPr>
+            <a:spLocks noGrp="1"/>
+          </p:cNvSpPr>
+          <p:nvPr>
+            <p:ph idx="1"/>
+          </p:nvPr>
+        </p:nvSpPr>
+        <p:spPr/>
+        <p:txBody>
+          <a:bodyPr/>
+          <a:lstStyle/>
+          <a:p>
+            <a:r>
+              <a:rPr lang="pt-BR" dirty="0"/>
+              <a:t>Neste desafio, vamos entender como manipular exceções em Java ao tentar se conectar a um banco de dados, utilizando os conceitos de </a:t>
+            </a:r>
+            <a:r>
+              <a:rPr lang="pt-BR" dirty="0" err="1"/>
+              <a:t>throws</a:t>
+            </a:r>
+            <a:r>
+              <a:rPr lang="pt-BR" dirty="0"/>
+              <a:t> e </a:t>
+            </a:r>
+            <a:r>
+              <a:rPr lang="pt-BR" dirty="0" err="1"/>
+              <a:t>try</a:t>
+            </a:r>
+            <a:r>
+              <a:rPr lang="pt-BR" dirty="0"/>
+              <a:t>/catch.</a:t>
+            </a:r>
+          </a:p>
+          <a:p>
+            <a:r>
+              <a:rPr lang="pt-BR"/>
+              <a:t>Objetivo:</a:t>
+            </a:r>
+          </a:p>
+          <a:p>
+            <a:r>
+              <a:rPr lang="pt-BR"/>
+              <a:t>O </a:t>
+            </a:r>
+            <a:r>
+              <a:rPr lang="pt-BR" dirty="0"/>
+              <a:t>código fornecido tem como objetivo conectar-se a um banco de dados MySQL e demonstrar como o uso de </a:t>
+            </a:r>
+            <a:r>
+              <a:rPr lang="pt-BR" dirty="0" err="1"/>
+              <a:t>throws</a:t>
+            </a:r>
+            <a:r>
+              <a:rPr lang="pt-BR" dirty="0"/>
+              <a:t> e </a:t>
+            </a:r>
+            <a:r>
+              <a:rPr lang="pt-BR" dirty="0" err="1"/>
+              <a:t>try</a:t>
+            </a:r>
+            <a:r>
+              <a:rPr lang="pt-BR" dirty="0"/>
+              <a:t>/catch afeta a execução do programa. Vamos aprender a importância desses mecanismos para tratar erros de forma eficiente, permitindo que o código continue executando mesmo quando ocorre uma exceção.</a:t>
+            </a:r>
+          </a:p>
+        </p:txBody>
+      </p:sp>
+    </p:spTree>
+    <p:extLst>
+      <p:ext uri="{BB962C8B-B14F-4D97-AF65-F5344CB8AC3E}">
+        <p14:creationId xmlns:p14="http://schemas.microsoft.com/office/powerpoint/2010/main" val="66703701"/>
+      </p:ext>
+    </p:extLst>
+  </p:cSld>
+  <p:clrMapOvr>
+    <a:masterClrMapping/>
+  </p:clrMapOvr>
+</p:sld>
+</file>
+
+<file path=ppt/slides/slide2.xml><?xml version="1.0" encoding="utf-8"?>
+<p:sld xmlns:a="http://schemas.openxmlformats.org/drawingml/2006/main" xmlns:r="http://schemas.openxmlformats.org/officeDocument/2006/relationships" xmlns:p="http://schemas.openxmlformats.org/presentationml/2006/main">
+  <p:cSld>
+    <p:spTree>
+      <p:nvGrpSpPr>
+        <p:cNvPr id="1" name=""/>
+        <p:cNvGrpSpPr/>
+        <p:nvPr/>
+      </p:nvGrpSpPr>
+      <p:grpSpPr>
+        <a:xfrm>
+          <a:off x="0" y="0"/>
+          <a:ext cx="0" cy="0"/>
+          <a:chOff x="0" y="0"/>
+          <a:chExt cx="0" cy="0"/>
+        </a:xfrm>
+      </p:grpSpPr>
+      <p:sp>
+        <p:nvSpPr>
+          <p:cNvPr id="2" name="Título 1">
+            <a:extLst>
+              <a:ext uri="{FF2B5EF4-FFF2-40B4-BE49-F238E27FC236}">
+                <a16:creationId xmlns:a16="http://schemas.microsoft.com/office/drawing/2014/main" id="{9B1E34B5-7ADC-4F53-91A5-4210FE1C072D}"/>
+              </a:ext>
+            </a:extLst>
+          </p:cNvPr>
+          <p:cNvSpPr>
+            <a:spLocks noGrp="1"/>
+          </p:cNvSpPr>
+          <p:nvPr>
+            <p:ph type="title"/>
+          </p:nvPr>
+        </p:nvSpPr>
+        <p:spPr/>
+        <p:txBody>
+          <a:bodyPr/>
+          <a:lstStyle/>
+          <a:p>
+            <a:r>
+              <a:rPr lang="pt-BR" b="1" dirty="0"/>
+              <a:t>Objetivos da Aula</a:t>
+            </a:r>
+            <a:br>
+              <a:rPr lang="pt-BR" b="1" dirty="0"/>
+            </a:br>
+            <a:endParaRPr lang="pt-BR" dirty="0"/>
+          </a:p>
+        </p:txBody>
+      </p:sp>
+      <p:sp>
+        <p:nvSpPr>
+          <p:cNvPr id="3" name="Espaço Reservado para Conteúdo 2">
+            <a:extLst>
+              <a:ext uri="{FF2B5EF4-FFF2-40B4-BE49-F238E27FC236}">
+                <a16:creationId xmlns:a16="http://schemas.microsoft.com/office/drawing/2014/main" id="{AC04BB49-A3BF-4860-BFBF-361AB3C0DE12}"/>
+              </a:ext>
+            </a:extLst>
+          </p:cNvPr>
+          <p:cNvSpPr>
+            <a:spLocks noGrp="1"/>
+          </p:cNvSpPr>
+          <p:nvPr>
+            <p:ph idx="1"/>
+          </p:nvPr>
+        </p:nvSpPr>
+        <p:spPr/>
+        <p:txBody>
+          <a:bodyPr/>
+          <a:lstStyle/>
+          <a:p>
+            <a:r>
+              <a:rPr lang="pt-BR" dirty="0"/>
+              <a:t>Ao final da aula, os alunos serão capazes de:</a:t>
+            </a:r>
+          </a:p>
+          <a:p>
+            <a:pPr marL="1028700" lvl="1" indent="-342900"/>
+            <a:r>
+              <a:rPr lang="pt-BR" dirty="0"/>
+              <a:t>Compreender o conceito de exceção e sua importância na programação.</a:t>
+            </a:r>
+          </a:p>
+          <a:p>
+            <a:pPr marL="1028700" lvl="1" indent="-342900"/>
+            <a:r>
+              <a:rPr lang="pt-BR" dirty="0"/>
+              <a:t>Diferenciar exceções verificadas (</a:t>
+            </a:r>
+            <a:r>
+              <a:rPr lang="pt-BR" dirty="0" err="1"/>
+              <a:t>checked</a:t>
+            </a:r>
+            <a:r>
+              <a:rPr lang="pt-BR" dirty="0"/>
+              <a:t>) e não verificadas (</a:t>
+            </a:r>
+            <a:r>
+              <a:rPr lang="pt-BR" dirty="0" err="1"/>
+              <a:t>unchecked</a:t>
+            </a:r>
+            <a:r>
+              <a:rPr lang="pt-BR" dirty="0"/>
+              <a:t>).</a:t>
+            </a:r>
+          </a:p>
+          <a:p>
+            <a:pPr marL="1028700" lvl="1" indent="-342900"/>
+            <a:r>
+              <a:rPr lang="pt-BR" dirty="0"/>
+              <a:t>Utilizar </a:t>
+            </a:r>
+            <a:r>
+              <a:rPr lang="pt-BR" dirty="0" err="1"/>
+              <a:t>try</a:t>
+            </a:r>
+            <a:r>
+              <a:rPr lang="pt-BR" dirty="0"/>
+              <a:t>, catch, </a:t>
+            </a:r>
+            <a:r>
+              <a:rPr lang="pt-BR" dirty="0" err="1"/>
+              <a:t>finally</a:t>
+            </a:r>
+            <a:r>
+              <a:rPr lang="pt-BR" dirty="0"/>
+              <a:t> e </a:t>
+            </a:r>
+            <a:r>
+              <a:rPr lang="pt-BR" dirty="0" err="1"/>
+              <a:t>throw</a:t>
+            </a:r>
+            <a:r>
+              <a:rPr lang="pt-BR" dirty="0"/>
+              <a:t> para tratar erros.</a:t>
+            </a:r>
+          </a:p>
+          <a:p>
+            <a:endParaRPr lang="pt-BR" dirty="0"/>
+          </a:p>
+        </p:txBody>
+      </p:sp>
+    </p:spTree>
+    <p:extLst>
+      <p:ext uri="{BB962C8B-B14F-4D97-AF65-F5344CB8AC3E}">
+        <p14:creationId xmlns:p14="http://schemas.microsoft.com/office/powerpoint/2010/main" val="2166944390"/>
+      </p:ext>
+    </p:extLst>
+  </p:cSld>
+  <p:clrMapOvr>
+    <a:masterClrMapping/>
+  </p:clrMapOvr>
+</p:sld>
+</file>
+
+<file path=ppt/slides/slide3.xml><?xml version="1.0" encoding="utf-8"?>
+<p:sld xmlns:a="http://schemas.openxmlformats.org/drawingml/2006/main" xmlns:r="http://schemas.openxmlformats.org/officeDocument/2006/relationships" xmlns:p="http://schemas.openxmlformats.org/presentationml/2006/main">
+  <p:cSld>
+    <p:spTree>
+      <p:nvGrpSpPr>
+        <p:cNvPr id="1" name=""/>
+        <p:cNvGrpSpPr/>
+        <p:nvPr/>
+      </p:nvGrpSpPr>
+      <p:grpSpPr>
+        <a:xfrm>
+          <a:off x="0" y="0"/>
+          <a:ext cx="0" cy="0"/>
+          <a:chOff x="0" y="0"/>
+          <a:chExt cx="0" cy="0"/>
+        </a:xfrm>
+      </p:grpSpPr>
+      <p:sp>
+        <p:nvSpPr>
+          <p:cNvPr id="2" name="Título 1">
+            <a:extLst>
+              <a:ext uri="{FF2B5EF4-FFF2-40B4-BE49-F238E27FC236}">
+                <a16:creationId xmlns:a16="http://schemas.microsoft.com/office/drawing/2014/main" id="{7EEA89A6-5F36-4142-833E-595C44BD5204}"/>
+              </a:ext>
+            </a:extLst>
+          </p:cNvPr>
+          <p:cNvSpPr>
+            <a:spLocks noGrp="1"/>
+          </p:cNvSpPr>
+          <p:nvPr>
+            <p:ph type="title"/>
+          </p:nvPr>
+        </p:nvSpPr>
+        <p:spPr/>
+        <p:txBody>
+          <a:bodyPr/>
+          <a:lstStyle/>
+          <a:p>
+            <a:r>
+              <a:rPr lang="pt-BR" dirty="0"/>
+              <a:t>O que é uma Exceção ?</a:t>
+            </a:r>
+          </a:p>
+        </p:txBody>
+      </p:sp>
+      <p:sp>
+        <p:nvSpPr>
+          <p:cNvPr id="3" name="Espaço Reservado para Conteúdo 2">
+            <a:extLst>
+              <a:ext uri="{FF2B5EF4-FFF2-40B4-BE49-F238E27FC236}">
+                <a16:creationId xmlns:a16="http://schemas.microsoft.com/office/drawing/2014/main" id="{0D929DDE-3A1A-4D5A-9239-6506D86D7CFF}"/>
+              </a:ext>
+            </a:extLst>
+          </p:cNvPr>
+          <p:cNvSpPr>
+            <a:spLocks noGrp="1"/>
+          </p:cNvSpPr>
+          <p:nvPr>
+            <p:ph idx="1"/>
+          </p:nvPr>
+        </p:nvSpPr>
+        <p:spPr/>
+        <p:txBody>
+          <a:bodyPr/>
+          <a:lstStyle/>
+          <a:p>
+            <a:r>
+              <a:rPr lang="pt-BR" dirty="0"/>
+              <a:t>Exceções são eventos anormais que interrompem o fluxo de execução de um programa, representando erros como:</a:t>
+            </a:r>
+          </a:p>
+          <a:p>
+            <a:pPr marL="1028700" lvl="1" indent="-342900"/>
+            <a:r>
+              <a:rPr lang="pt-BR" dirty="0"/>
+              <a:t>Divisão por zero</a:t>
+            </a:r>
+          </a:p>
+          <a:p>
+            <a:pPr marL="1028700" lvl="1" indent="-342900"/>
+            <a:r>
+              <a:rPr lang="pt-BR" dirty="0"/>
+              <a:t>Acesso a arquivos inexistentes</a:t>
+            </a:r>
+          </a:p>
+          <a:p>
+            <a:pPr marL="1028700" lvl="1" indent="-342900"/>
+            <a:r>
+              <a:rPr lang="pt-BR" dirty="0"/>
+              <a:t>Problemas de conexão com o banco de dados</a:t>
+            </a:r>
+          </a:p>
+          <a:p>
+            <a:pPr marL="1028700" lvl="1" indent="-342900"/>
+            <a:r>
+              <a:rPr lang="pt-BR" dirty="0"/>
+              <a:t>Conversão de tipos inválidos.</a:t>
+            </a:r>
+          </a:p>
+          <a:p>
+            <a:r>
+              <a:rPr lang="pt-BR" dirty="0"/>
+              <a:t>Elas podem encerrar o programa de forma inesperada, afetando a experiência do usuário e a estabilidade do sistema. Para lidar com isso, Java oferece mecanismos como </a:t>
+            </a:r>
+            <a:r>
+              <a:rPr lang="pt-BR" dirty="0" err="1"/>
+              <a:t>try</a:t>
+            </a:r>
+            <a:r>
+              <a:rPr lang="pt-BR" dirty="0"/>
+              <a:t>, catch, </a:t>
+            </a:r>
+            <a:r>
+              <a:rPr lang="pt-BR" dirty="0" err="1"/>
+              <a:t>finally</a:t>
+            </a:r>
+            <a:r>
+              <a:rPr lang="pt-BR" dirty="0"/>
+              <a:t> e </a:t>
+            </a:r>
+            <a:r>
+              <a:rPr lang="pt-BR" dirty="0" err="1"/>
+              <a:t>throws</a:t>
+            </a:r>
+            <a:r>
+              <a:rPr lang="pt-BR" dirty="0"/>
+              <a:t> para capturar e tratar essas exceções.</a:t>
+            </a:r>
+          </a:p>
+        </p:txBody>
+      </p:sp>
+    </p:spTree>
+    <p:extLst>
+      <p:ext uri="{BB962C8B-B14F-4D97-AF65-F5344CB8AC3E}">
+        <p14:creationId xmlns:p14="http://schemas.microsoft.com/office/powerpoint/2010/main" val="2609032193"/>
+      </p:ext>
+    </p:extLst>
+  </p:cSld>
+  <p:clrMapOvr>
+    <a:masterClrMapping/>
+  </p:clrMapOvr>
+</p:sld>
+</file>
+
+<file path=ppt/slides/slide4.xml><?xml version="1.0" encoding="utf-8"?>
+<p:sld xmlns:a="http://schemas.openxmlformats.org/drawingml/2006/main" xmlns:r="http://schemas.openxmlformats.org/officeDocument/2006/relationships" xmlns:p="http://schemas.openxmlformats.org/presentationml/2006/main">
+  <p:cSld>
+    <p:spTree>
+      <p:nvGrpSpPr>
+        <p:cNvPr id="1" name=""/>
+        <p:cNvGrpSpPr/>
+        <p:nvPr/>
+      </p:nvGrpSpPr>
+      <p:grpSpPr>
+        <a:xfrm>
+          <a:off x="0" y="0"/>
+          <a:ext cx="0" cy="0"/>
+          <a:chOff x="0" y="0"/>
+          <a:chExt cx="0" cy="0"/>
+        </a:xfrm>
+      </p:grpSpPr>
+      <p:sp>
+        <p:nvSpPr>
+          <p:cNvPr id="2" name="Título 1">
+            <a:extLst>
+              <a:ext uri="{FF2B5EF4-FFF2-40B4-BE49-F238E27FC236}">
+                <a16:creationId xmlns:a16="http://schemas.microsoft.com/office/drawing/2014/main" id="{AE9CB44B-456A-421E-9D89-357FF0E06592}"/>
+              </a:ext>
+            </a:extLst>
+          </p:cNvPr>
+          <p:cNvSpPr>
+            <a:spLocks noGrp="1"/>
+          </p:cNvSpPr>
+          <p:nvPr>
+            <p:ph type="title"/>
+          </p:nvPr>
+        </p:nvSpPr>
+        <p:spPr/>
+        <p:txBody>
+          <a:bodyPr/>
+          <a:lstStyle/>
+          <a:p>
+            <a:r>
+              <a:rPr lang="pt-BR" dirty="0"/>
+              <a:t>Sintaxe </a:t>
+            </a:r>
+            <a:r>
+              <a:rPr lang="pt-BR" dirty="0" err="1"/>
+              <a:t>try</a:t>
+            </a:r>
+            <a:r>
+              <a:rPr lang="pt-BR" dirty="0"/>
+              <a:t> ... catch</a:t>
+            </a:r>
+          </a:p>
+        </p:txBody>
+      </p:sp>
+      <p:sp>
+        <p:nvSpPr>
+          <p:cNvPr id="4" name="Retângulo 3">
+            <a:extLst>
+              <a:ext uri="{FF2B5EF4-FFF2-40B4-BE49-F238E27FC236}">
+                <a16:creationId xmlns:a16="http://schemas.microsoft.com/office/drawing/2014/main" id="{BEBAD25F-F96A-44E3-8FE5-851AE69C2BFF}"/>
+              </a:ext>
+            </a:extLst>
+          </p:cNvPr>
+          <p:cNvSpPr/>
+          <p:nvPr/>
+        </p:nvSpPr>
+        <p:spPr>
+          <a:xfrm>
+            <a:off x="2810933" y="2994506"/>
+            <a:ext cx="7713133" cy="2031325"/>
+          </a:xfrm>
+          <a:prstGeom prst="rect">
+            <a:avLst/>
+          </a:prstGeom>
+        </p:spPr>
+        <p:txBody>
+          <a:bodyPr wrap="square">
+            <a:spAutoFit/>
+          </a:bodyPr>
+          <a:lstStyle/>
+          <a:p>
+            <a:r>
+              <a:rPr lang="pt-BR" b="1" dirty="0" err="1">
+                <a:solidFill>
+                  <a:srgbClr val="7F0055"/>
+                </a:solidFill>
+                <a:latin typeface="Consolas" panose="020B0609020204030204" pitchFamily="49" charset="0"/>
+              </a:rPr>
+              <a:t>try</a:t>
+            </a:r>
+            <a:r>
+              <a:rPr lang="pt-BR" dirty="0">
+                <a:solidFill>
+                  <a:srgbClr val="000000"/>
+                </a:solidFill>
+                <a:latin typeface="Consolas" panose="020B0609020204030204" pitchFamily="49" charset="0"/>
+              </a:rPr>
+              <a:t> {</a:t>
+            </a:r>
+          </a:p>
+          <a:p>
+            <a:pPr indent="457200"/>
+            <a:r>
+              <a:rPr lang="pt-BR" dirty="0">
+                <a:solidFill>
+                  <a:srgbClr val="3F7F5F"/>
+                </a:solidFill>
+                <a:latin typeface="Consolas" panose="020B0609020204030204" pitchFamily="49" charset="0"/>
+              </a:rPr>
+              <a:t>// Bloco de código onde pode ocorrer uma exceção</a:t>
+            </a:r>
+            <a:endParaRPr lang="pt-BR" dirty="0">
+              <a:solidFill>
+                <a:srgbClr val="000000"/>
+              </a:solidFill>
+              <a:latin typeface="Consolas" panose="020B0609020204030204" pitchFamily="49" charset="0"/>
+            </a:endParaRPr>
+          </a:p>
+          <a:p>
+            <a:r>
+              <a:rPr lang="pt-BR" dirty="0">
+                <a:solidFill>
+                  <a:srgbClr val="000000"/>
+                </a:solidFill>
+                <a:latin typeface="Consolas" panose="020B0609020204030204" pitchFamily="49" charset="0"/>
+              </a:rPr>
+              <a:t>} </a:t>
+            </a:r>
+            <a:r>
+              <a:rPr lang="pt-BR" b="1" dirty="0">
+                <a:solidFill>
+                  <a:srgbClr val="7F0055"/>
+                </a:solidFill>
+                <a:latin typeface="Consolas" panose="020B0609020204030204" pitchFamily="49" charset="0"/>
+              </a:rPr>
+              <a:t>catch</a:t>
+            </a:r>
+            <a:r>
+              <a:rPr lang="pt-BR" dirty="0">
+                <a:solidFill>
+                  <a:srgbClr val="000000"/>
+                </a:solidFill>
+                <a:latin typeface="Consolas" panose="020B0609020204030204" pitchFamily="49" charset="0"/>
+              </a:rPr>
+              <a:t> (TipoDeExcecao1 </a:t>
+            </a:r>
+            <a:r>
+              <a:rPr lang="pt-BR" dirty="0">
+                <a:solidFill>
+                  <a:srgbClr val="6A3E3E"/>
+                </a:solidFill>
+                <a:latin typeface="Consolas" panose="020B0609020204030204" pitchFamily="49" charset="0"/>
+              </a:rPr>
+              <a:t>e1</a:t>
+            </a:r>
+            <a:r>
+              <a:rPr lang="pt-BR" dirty="0">
+                <a:solidFill>
+                  <a:srgbClr val="000000"/>
+                </a:solidFill>
+                <a:latin typeface="Consolas" panose="020B0609020204030204" pitchFamily="49" charset="0"/>
+              </a:rPr>
+              <a:t>) {</a:t>
+            </a:r>
+          </a:p>
+          <a:p>
+            <a:pPr indent="457200"/>
+            <a:r>
+              <a:rPr lang="pt-BR" dirty="0">
+                <a:solidFill>
+                  <a:srgbClr val="3F7F5F"/>
+                </a:solidFill>
+                <a:latin typeface="Consolas" panose="020B0609020204030204" pitchFamily="49" charset="0"/>
+              </a:rPr>
+              <a:t>// Bloco de código que trata a TipoDeExcecao1</a:t>
+            </a:r>
+            <a:endParaRPr lang="pt-BR" dirty="0">
+              <a:solidFill>
+                <a:srgbClr val="000000"/>
+              </a:solidFill>
+              <a:latin typeface="Consolas" panose="020B0609020204030204" pitchFamily="49" charset="0"/>
+            </a:endParaRPr>
+          </a:p>
+          <a:p>
+            <a:r>
+              <a:rPr lang="pt-BR" dirty="0">
+                <a:solidFill>
+                  <a:srgbClr val="000000"/>
+                </a:solidFill>
+                <a:latin typeface="Consolas" panose="020B0609020204030204" pitchFamily="49" charset="0"/>
+              </a:rPr>
+              <a:t>} </a:t>
+            </a:r>
+            <a:r>
+              <a:rPr lang="pt-BR" b="1" dirty="0">
+                <a:solidFill>
+                  <a:srgbClr val="7F0055"/>
+                </a:solidFill>
+                <a:latin typeface="Consolas" panose="020B0609020204030204" pitchFamily="49" charset="0"/>
+              </a:rPr>
+              <a:t>catch</a:t>
+            </a:r>
+            <a:r>
+              <a:rPr lang="pt-BR" dirty="0">
+                <a:solidFill>
+                  <a:srgbClr val="000000"/>
+                </a:solidFill>
+                <a:latin typeface="Consolas" panose="020B0609020204030204" pitchFamily="49" charset="0"/>
+              </a:rPr>
+              <a:t> (TipoDeExcecao2 </a:t>
+            </a:r>
+            <a:r>
+              <a:rPr lang="pt-BR" dirty="0">
+                <a:solidFill>
+                  <a:srgbClr val="6A3E3E"/>
+                </a:solidFill>
+                <a:latin typeface="Consolas" panose="020B0609020204030204" pitchFamily="49" charset="0"/>
+              </a:rPr>
+              <a:t>e2</a:t>
+            </a:r>
+            <a:r>
+              <a:rPr lang="pt-BR" dirty="0">
+                <a:solidFill>
+                  <a:srgbClr val="000000"/>
+                </a:solidFill>
+                <a:latin typeface="Consolas" panose="020B0609020204030204" pitchFamily="49" charset="0"/>
+              </a:rPr>
+              <a:t>) {</a:t>
+            </a:r>
+          </a:p>
+          <a:p>
+            <a:pPr indent="457200"/>
+            <a:r>
+              <a:rPr lang="pt-BR" dirty="0">
+                <a:solidFill>
+                  <a:srgbClr val="3F7F5F"/>
+                </a:solidFill>
+                <a:latin typeface="Consolas" panose="020B0609020204030204" pitchFamily="49" charset="0"/>
+              </a:rPr>
+              <a:t>// Bloco de código que trata a TipoDeExcecao2</a:t>
+            </a:r>
+            <a:endParaRPr lang="pt-BR" dirty="0">
+              <a:solidFill>
+                <a:srgbClr val="000000"/>
+              </a:solidFill>
+              <a:latin typeface="Consolas" panose="020B0609020204030204" pitchFamily="49" charset="0"/>
+            </a:endParaRPr>
+          </a:p>
+          <a:p>
+            <a:r>
+              <a:rPr lang="pt-BR" dirty="0">
+                <a:solidFill>
+                  <a:srgbClr val="000000"/>
+                </a:solidFill>
+                <a:latin typeface="Consolas" panose="020B0609020204030204" pitchFamily="49" charset="0"/>
+              </a:rPr>
+              <a:t>}</a:t>
+            </a:r>
+          </a:p>
+        </p:txBody>
+      </p:sp>
+    </p:spTree>
+    <p:extLst>
+      <p:ext uri="{BB962C8B-B14F-4D97-AF65-F5344CB8AC3E}">
+        <p14:creationId xmlns:p14="http://schemas.microsoft.com/office/powerpoint/2010/main" val="1256780005"/>
+      </p:ext>
+    </p:extLst>
+  </p:cSld>
+  <p:clrMapOvr>
+    <a:masterClrMapping/>
+  </p:clrMapOvr>
+</p:sld>
+</file>
+
+<file path=ppt/slides/slide5.xml><?xml version="1.0" encoding="utf-8"?>
+<p:sld xmlns:a="http://schemas.openxmlformats.org/drawingml/2006/main" xmlns:r="http://schemas.openxmlformats.org/officeDocument/2006/relationships" xmlns:p="http://schemas.openxmlformats.org/presentationml/2006/main">
+  <p:cSld>
+    <p:spTree>
+      <p:nvGrpSpPr>
+        <p:cNvPr id="1" name=""/>
+        <p:cNvGrpSpPr/>
+        <p:nvPr/>
+      </p:nvGrpSpPr>
+      <p:grpSpPr>
+        <a:xfrm>
+          <a:off x="0" y="0"/>
+          <a:ext cx="0" cy="0"/>
+          <a:chOff x="0" y="0"/>
+          <a:chExt cx="0" cy="0"/>
+        </a:xfrm>
+      </p:grpSpPr>
+      <p:sp>
+        <p:nvSpPr>
+          <p:cNvPr id="2" name="Título 1">
+            <a:extLst>
+              <a:ext uri="{FF2B5EF4-FFF2-40B4-BE49-F238E27FC236}">
+                <a16:creationId xmlns:a16="http://schemas.microsoft.com/office/drawing/2014/main" id="{137766DE-CF8A-4F06-BB79-E06C5F50DA16}"/>
+              </a:ext>
+            </a:extLst>
+          </p:cNvPr>
+          <p:cNvSpPr>
+            <a:spLocks noGrp="1"/>
+          </p:cNvSpPr>
+          <p:nvPr>
+            <p:ph type="title"/>
+          </p:nvPr>
+        </p:nvSpPr>
+        <p:spPr/>
+        <p:txBody>
+          <a:bodyPr/>
+          <a:lstStyle/>
+          <a:p>
+            <a:r>
+              <a:rPr lang="pt-BR" dirty="0"/>
+              <a:t>Exemplos de exceções no </a:t>
+            </a:r>
+            <a:r>
+              <a:rPr lang="pt-BR" dirty="0" err="1"/>
+              <a:t>try</a:t>
+            </a:r>
+            <a:r>
+              <a:rPr lang="pt-BR" dirty="0"/>
+              <a:t>-catch</a:t>
+            </a:r>
+          </a:p>
+        </p:txBody>
+      </p:sp>
+      <p:sp>
+        <p:nvSpPr>
+          <p:cNvPr id="3" name="Espaço Reservado para Conteúdo 2">
+            <a:extLst>
+              <a:ext uri="{FF2B5EF4-FFF2-40B4-BE49-F238E27FC236}">
+                <a16:creationId xmlns:a16="http://schemas.microsoft.com/office/drawing/2014/main" id="{FFF61CCC-3F1A-40C7-9274-6885A23DAC01}"/>
+              </a:ext>
+            </a:extLst>
+          </p:cNvPr>
+          <p:cNvSpPr>
+            <a:spLocks noGrp="1"/>
+          </p:cNvSpPr>
+          <p:nvPr>
+            <p:ph idx="1"/>
+          </p:nvPr>
+        </p:nvSpPr>
+        <p:spPr>
+          <a:xfrm>
+            <a:off x="592347" y="1844675"/>
+            <a:ext cx="11007306" cy="619125"/>
+          </a:xfrm>
+        </p:spPr>
+        <p:txBody>
+          <a:bodyPr/>
+          <a:lstStyle/>
+          <a:p>
+            <a:r>
+              <a:rPr lang="pt-BR" dirty="0" err="1"/>
+              <a:t>NullPointerException</a:t>
+            </a:r>
+            <a:r>
+              <a:rPr lang="pt-BR" dirty="0"/>
+              <a:t> - Ocorre quando você tenta acessar ou manipular um objeto que é </a:t>
+            </a:r>
+            <a:r>
+              <a:rPr lang="pt-BR" dirty="0" err="1"/>
+              <a:t>null</a:t>
+            </a:r>
+            <a:r>
+              <a:rPr lang="pt-BR" dirty="0"/>
+              <a:t>.</a:t>
+            </a:r>
+          </a:p>
+        </p:txBody>
+      </p:sp>
+      <p:sp>
+        <p:nvSpPr>
+          <p:cNvPr id="8" name="Retângulo 7">
+            <a:extLst>
+              <a:ext uri="{FF2B5EF4-FFF2-40B4-BE49-F238E27FC236}">
+                <a16:creationId xmlns:a16="http://schemas.microsoft.com/office/drawing/2014/main" id="{67652124-3FF1-4A81-909E-5CF887A7FB7B}"/>
+              </a:ext>
+            </a:extLst>
+          </p:cNvPr>
+          <p:cNvSpPr/>
+          <p:nvPr/>
+        </p:nvSpPr>
+        <p:spPr>
+          <a:xfrm>
+            <a:off x="1566333" y="3079171"/>
+            <a:ext cx="9059334" cy="2010807"/>
+          </a:xfrm>
+          <a:prstGeom prst="rect">
+            <a:avLst/>
+          </a:prstGeom>
+        </p:spPr>
+        <p:txBody>
+          <a:bodyPr wrap="square">
+            <a:spAutoFit/>
+          </a:bodyPr>
+          <a:lstStyle/>
+          <a:p>
+            <a:pPr>
+              <a:spcBef>
+                <a:spcPts val="150"/>
+              </a:spcBef>
+              <a:spcAft>
+                <a:spcPts val="150"/>
+              </a:spcAft>
+            </a:pPr>
+            <a:r>
+              <a:rPr lang="pt-BR" b="1" dirty="0" err="1">
+                <a:solidFill>
+                  <a:srgbClr val="7F0055"/>
+                </a:solidFill>
+                <a:latin typeface="Consolas" panose="020B0609020204030204" pitchFamily="49" charset="0"/>
+              </a:rPr>
+              <a:t>try</a:t>
+            </a:r>
+            <a:r>
+              <a:rPr lang="pt-BR" dirty="0">
+                <a:solidFill>
+                  <a:srgbClr val="000000"/>
+                </a:solidFill>
+                <a:latin typeface="Consolas" panose="020B0609020204030204" pitchFamily="49" charset="0"/>
+              </a:rPr>
+              <a:t> {</a:t>
+            </a:r>
+          </a:p>
+          <a:p>
+            <a:pPr indent="457200">
+              <a:spcBef>
+                <a:spcPts val="150"/>
+              </a:spcBef>
+              <a:spcAft>
+                <a:spcPts val="150"/>
+              </a:spcAft>
+            </a:pPr>
+            <a:r>
+              <a:rPr lang="pt-BR" dirty="0" err="1">
+                <a:solidFill>
+                  <a:srgbClr val="000000"/>
+                </a:solidFill>
+                <a:latin typeface="Consolas" panose="020B0609020204030204" pitchFamily="49" charset="0"/>
+              </a:rPr>
+              <a:t>String</a:t>
+            </a:r>
+            <a:r>
+              <a:rPr lang="pt-BR" dirty="0">
+                <a:solidFill>
+                  <a:srgbClr val="000000"/>
+                </a:solidFill>
+                <a:latin typeface="Consolas" panose="020B0609020204030204" pitchFamily="49" charset="0"/>
+              </a:rPr>
+              <a:t> </a:t>
+            </a:r>
+            <a:r>
+              <a:rPr lang="pt-BR" dirty="0" err="1">
+                <a:solidFill>
+                  <a:srgbClr val="6A3E3E"/>
+                </a:solidFill>
+                <a:latin typeface="Consolas" panose="020B0609020204030204" pitchFamily="49" charset="0"/>
+              </a:rPr>
+              <a:t>str</a:t>
+            </a:r>
+            <a:r>
+              <a:rPr lang="pt-BR" dirty="0">
+                <a:solidFill>
+                  <a:srgbClr val="000000"/>
+                </a:solidFill>
+                <a:latin typeface="Consolas" panose="020B0609020204030204" pitchFamily="49" charset="0"/>
+              </a:rPr>
+              <a:t> = </a:t>
+            </a:r>
+            <a:r>
+              <a:rPr lang="pt-BR" b="1" dirty="0" err="1">
+                <a:solidFill>
+                  <a:srgbClr val="7F0055"/>
+                </a:solidFill>
+                <a:latin typeface="Consolas" panose="020B0609020204030204" pitchFamily="49" charset="0"/>
+              </a:rPr>
+              <a:t>null</a:t>
+            </a:r>
+            <a:r>
+              <a:rPr lang="pt-BR" dirty="0">
+                <a:solidFill>
+                  <a:srgbClr val="000000"/>
+                </a:solidFill>
+                <a:latin typeface="Consolas" panose="020B0609020204030204" pitchFamily="49" charset="0"/>
+              </a:rPr>
+              <a:t>;</a:t>
+            </a:r>
+          </a:p>
+          <a:p>
+            <a:pPr indent="457200">
+              <a:spcBef>
+                <a:spcPts val="150"/>
+              </a:spcBef>
+              <a:spcAft>
+                <a:spcPts val="150"/>
+              </a:spcAft>
+            </a:pPr>
+            <a:r>
+              <a:rPr lang="pt-BR" dirty="0" err="1">
+                <a:solidFill>
+                  <a:srgbClr val="000000"/>
+                </a:solidFill>
+                <a:latin typeface="Consolas" panose="020B0609020204030204" pitchFamily="49" charset="0"/>
+              </a:rPr>
+              <a:t>System.</a:t>
+            </a:r>
+            <a:r>
+              <a:rPr lang="pt-BR" b="1" i="1" dirty="0" err="1">
+                <a:solidFill>
+                  <a:srgbClr val="0000C0"/>
+                </a:solidFill>
+                <a:latin typeface="Consolas" panose="020B0609020204030204" pitchFamily="49" charset="0"/>
+              </a:rPr>
+              <a:t>out</a:t>
+            </a:r>
+            <a:r>
+              <a:rPr lang="pt-BR" dirty="0" err="1">
+                <a:solidFill>
+                  <a:srgbClr val="000000"/>
+                </a:solidFill>
+                <a:latin typeface="Consolas" panose="020B0609020204030204" pitchFamily="49" charset="0"/>
+              </a:rPr>
+              <a:t>.println</a:t>
+            </a:r>
+            <a:r>
+              <a:rPr lang="pt-BR" dirty="0">
+                <a:solidFill>
+                  <a:srgbClr val="000000"/>
+                </a:solidFill>
+                <a:latin typeface="Consolas" panose="020B0609020204030204" pitchFamily="49" charset="0"/>
+              </a:rPr>
+              <a:t>(</a:t>
+            </a:r>
+            <a:r>
+              <a:rPr lang="pt-BR" dirty="0" err="1">
+                <a:solidFill>
+                  <a:srgbClr val="6A3E3E"/>
+                </a:solidFill>
+                <a:latin typeface="Consolas" panose="020B0609020204030204" pitchFamily="49" charset="0"/>
+              </a:rPr>
+              <a:t>str</a:t>
+            </a:r>
+            <a:r>
+              <a:rPr lang="pt-BR" dirty="0" err="1">
+                <a:solidFill>
+                  <a:srgbClr val="000000"/>
+                </a:solidFill>
+                <a:latin typeface="Consolas" panose="020B0609020204030204" pitchFamily="49" charset="0"/>
+              </a:rPr>
+              <a:t>.length</a:t>
+            </a:r>
+            <a:r>
+              <a:rPr lang="pt-BR" dirty="0">
+                <a:solidFill>
+                  <a:srgbClr val="000000"/>
+                </a:solidFill>
+                <a:latin typeface="Consolas" panose="020B0609020204030204" pitchFamily="49" charset="0"/>
+              </a:rPr>
+              <a:t>());</a:t>
+            </a:r>
+          </a:p>
+          <a:p>
+            <a:pPr>
+              <a:spcBef>
+                <a:spcPts val="150"/>
+              </a:spcBef>
+              <a:spcAft>
+                <a:spcPts val="150"/>
+              </a:spcAft>
+            </a:pPr>
+            <a:r>
+              <a:rPr lang="pt-BR" dirty="0">
+                <a:solidFill>
+                  <a:srgbClr val="000000"/>
+                </a:solidFill>
+                <a:latin typeface="Consolas" panose="020B0609020204030204" pitchFamily="49" charset="0"/>
+              </a:rPr>
+              <a:t>} </a:t>
+            </a:r>
+            <a:r>
+              <a:rPr lang="pt-BR" b="1" dirty="0">
+                <a:solidFill>
+                  <a:srgbClr val="7F0055"/>
+                </a:solidFill>
+                <a:latin typeface="Consolas" panose="020B0609020204030204" pitchFamily="49" charset="0"/>
+              </a:rPr>
+              <a:t>catch</a:t>
+            </a:r>
+            <a:r>
+              <a:rPr lang="pt-BR" dirty="0">
+                <a:solidFill>
+                  <a:srgbClr val="000000"/>
+                </a:solidFill>
+                <a:latin typeface="Consolas" panose="020B0609020204030204" pitchFamily="49" charset="0"/>
+              </a:rPr>
+              <a:t> (</a:t>
+            </a:r>
+            <a:r>
+              <a:rPr lang="pt-BR" dirty="0" err="1">
+                <a:solidFill>
+                  <a:srgbClr val="000000"/>
+                </a:solidFill>
+                <a:latin typeface="Consolas" panose="020B0609020204030204" pitchFamily="49" charset="0"/>
+              </a:rPr>
+              <a:t>NullPointerException</a:t>
+            </a:r>
+            <a:r>
+              <a:rPr lang="pt-BR" dirty="0">
+                <a:solidFill>
+                  <a:srgbClr val="000000"/>
+                </a:solidFill>
+                <a:latin typeface="Consolas" panose="020B0609020204030204" pitchFamily="49" charset="0"/>
+              </a:rPr>
+              <a:t> </a:t>
+            </a:r>
+            <a:r>
+              <a:rPr lang="pt-BR" dirty="0">
+                <a:solidFill>
+                  <a:srgbClr val="6A3E3E"/>
+                </a:solidFill>
+                <a:latin typeface="Consolas" panose="020B0609020204030204" pitchFamily="49" charset="0"/>
+              </a:rPr>
+              <a:t>e</a:t>
+            </a:r>
+            <a:r>
+              <a:rPr lang="pt-BR" dirty="0">
+                <a:solidFill>
+                  <a:srgbClr val="000000"/>
+                </a:solidFill>
+                <a:latin typeface="Consolas" panose="020B0609020204030204" pitchFamily="49" charset="0"/>
+              </a:rPr>
+              <a:t>) {</a:t>
+            </a:r>
+          </a:p>
+          <a:p>
+            <a:pPr indent="457200">
+              <a:spcBef>
+                <a:spcPts val="150"/>
+              </a:spcBef>
+              <a:spcAft>
+                <a:spcPts val="150"/>
+              </a:spcAft>
+            </a:pPr>
+            <a:r>
+              <a:rPr lang="pt-BR" dirty="0" err="1">
+                <a:solidFill>
+                  <a:srgbClr val="000000"/>
+                </a:solidFill>
+                <a:latin typeface="Consolas" panose="020B0609020204030204" pitchFamily="49" charset="0"/>
+              </a:rPr>
+              <a:t>System.</a:t>
+            </a:r>
+            <a:r>
+              <a:rPr lang="pt-BR" b="1" i="1" dirty="0" err="1">
+                <a:solidFill>
+                  <a:srgbClr val="0000C0"/>
+                </a:solidFill>
+                <a:latin typeface="Consolas" panose="020B0609020204030204" pitchFamily="49" charset="0"/>
+              </a:rPr>
+              <a:t>out</a:t>
+            </a:r>
+            <a:r>
+              <a:rPr lang="pt-BR" dirty="0" err="1">
+                <a:solidFill>
+                  <a:srgbClr val="000000"/>
+                </a:solidFill>
+                <a:latin typeface="Consolas" panose="020B0609020204030204" pitchFamily="49" charset="0"/>
+              </a:rPr>
+              <a:t>.println</a:t>
+            </a:r>
+            <a:r>
+              <a:rPr lang="pt-BR" dirty="0">
+                <a:solidFill>
+                  <a:srgbClr val="000000"/>
+                </a:solidFill>
+                <a:latin typeface="Consolas" panose="020B0609020204030204" pitchFamily="49" charset="0"/>
+              </a:rPr>
+              <a:t>(</a:t>
+            </a:r>
+            <a:r>
+              <a:rPr lang="pt-BR" dirty="0">
+                <a:solidFill>
+                  <a:srgbClr val="2A00FF"/>
+                </a:solidFill>
+                <a:latin typeface="Consolas" panose="020B0609020204030204" pitchFamily="49" charset="0"/>
+              </a:rPr>
+              <a:t>"Erro: Tentativa de acessar um objeto nulo."</a:t>
+            </a:r>
+            <a:r>
+              <a:rPr lang="pt-BR" dirty="0">
+                <a:solidFill>
+                  <a:srgbClr val="000000"/>
+                </a:solidFill>
+                <a:latin typeface="Consolas" panose="020B0609020204030204" pitchFamily="49" charset="0"/>
+              </a:rPr>
+              <a:t>);</a:t>
+            </a:r>
+          </a:p>
+          <a:p>
+            <a:pPr>
+              <a:spcBef>
+                <a:spcPts val="150"/>
+              </a:spcBef>
+              <a:spcAft>
+                <a:spcPts val="150"/>
+              </a:spcAft>
+            </a:pPr>
+            <a:r>
+              <a:rPr lang="pt-BR" dirty="0">
+                <a:solidFill>
+                  <a:srgbClr val="000000"/>
+                </a:solidFill>
+                <a:latin typeface="Consolas" panose="020B0609020204030204" pitchFamily="49" charset="0"/>
+              </a:rPr>
+              <a:t>}</a:t>
+            </a:r>
+          </a:p>
+        </p:txBody>
+      </p:sp>
+    </p:spTree>
+    <p:extLst>
+      <p:ext uri="{BB962C8B-B14F-4D97-AF65-F5344CB8AC3E}">
+        <p14:creationId xmlns:p14="http://schemas.microsoft.com/office/powerpoint/2010/main" val="2616691456"/>
+      </p:ext>
+    </p:extLst>
+  </p:cSld>
+  <p:clrMapOvr>
+    <a:masterClrMapping/>
+  </p:clrMapOvr>
+</p:sld>
+</file>
+
+<file path=ppt/slides/slide6.xml><?xml version="1.0" encoding="utf-8"?>
+<p:sld xmlns:a="http://schemas.openxmlformats.org/drawingml/2006/main" xmlns:r="http://schemas.openxmlformats.org/officeDocument/2006/relationships" xmlns:p="http://schemas.openxmlformats.org/presentationml/2006/main">
+  <p:cSld>
+    <p:spTree>
+      <p:nvGrpSpPr>
+        <p:cNvPr id="1" name=""/>
+        <p:cNvGrpSpPr/>
+        <p:nvPr/>
+      </p:nvGrpSpPr>
+      <p:grpSpPr>
+        <a:xfrm>
+          <a:off x="0" y="0"/>
+          <a:ext cx="0" cy="0"/>
+          <a:chOff x="0" y="0"/>
+          <a:chExt cx="0" cy="0"/>
+        </a:xfrm>
+      </p:grpSpPr>
+      <p:sp>
+        <p:nvSpPr>
+          <p:cNvPr id="2" name="Título 1">
+            <a:extLst>
+              <a:ext uri="{FF2B5EF4-FFF2-40B4-BE49-F238E27FC236}">
+                <a16:creationId xmlns:a16="http://schemas.microsoft.com/office/drawing/2014/main" id="{137766DE-CF8A-4F06-BB79-E06C5F50DA16}"/>
+              </a:ext>
+            </a:extLst>
+          </p:cNvPr>
+          <p:cNvSpPr>
+            <a:spLocks noGrp="1"/>
+          </p:cNvSpPr>
+          <p:nvPr>
+            <p:ph type="title"/>
+          </p:nvPr>
+        </p:nvSpPr>
+        <p:spPr/>
+        <p:txBody>
+          <a:bodyPr/>
+          <a:lstStyle/>
+          <a:p>
+            <a:r>
+              <a:rPr lang="pt-BR" dirty="0"/>
+              <a:t>Exemplos de exceções no </a:t>
+            </a:r>
+            <a:r>
+              <a:rPr lang="pt-BR" dirty="0" err="1"/>
+              <a:t>try</a:t>
+            </a:r>
+            <a:r>
+              <a:rPr lang="pt-BR" dirty="0"/>
+              <a:t>-catch</a:t>
+            </a:r>
+          </a:p>
+        </p:txBody>
+      </p:sp>
+      <p:sp>
+        <p:nvSpPr>
+          <p:cNvPr id="3" name="Espaço Reservado para Conteúdo 2">
+            <a:extLst>
+              <a:ext uri="{FF2B5EF4-FFF2-40B4-BE49-F238E27FC236}">
+                <a16:creationId xmlns:a16="http://schemas.microsoft.com/office/drawing/2014/main" id="{FFF61CCC-3F1A-40C7-9274-6885A23DAC01}"/>
+              </a:ext>
+            </a:extLst>
+          </p:cNvPr>
+          <p:cNvSpPr>
+            <a:spLocks noGrp="1"/>
+          </p:cNvSpPr>
+          <p:nvPr>
+            <p:ph idx="1"/>
+          </p:nvPr>
+        </p:nvSpPr>
+        <p:spPr>
+          <a:xfrm>
+            <a:off x="592347" y="1844675"/>
+            <a:ext cx="11007306" cy="932392"/>
+          </a:xfrm>
+        </p:spPr>
+        <p:txBody>
+          <a:bodyPr/>
+          <a:lstStyle/>
+          <a:p>
+            <a:r>
+              <a:rPr lang="pt-BR" dirty="0" err="1"/>
+              <a:t>ArrayIndexOutOfBoundsException</a:t>
+            </a:r>
+            <a:r>
+              <a:rPr lang="pt-BR" dirty="0"/>
+              <a:t> - Ocorre quando você tenta acessar um índice fora do limite de um </a:t>
+            </a:r>
+            <a:r>
+              <a:rPr lang="pt-BR" dirty="0" err="1"/>
+              <a:t>array</a:t>
+            </a:r>
+            <a:r>
+              <a:rPr lang="pt-BR" dirty="0"/>
+              <a:t>.</a:t>
+            </a:r>
+          </a:p>
+        </p:txBody>
+      </p:sp>
+      <p:sp>
+        <p:nvSpPr>
+          <p:cNvPr id="4" name="Retângulo 3">
+            <a:extLst>
+              <a:ext uri="{FF2B5EF4-FFF2-40B4-BE49-F238E27FC236}">
+                <a16:creationId xmlns:a16="http://schemas.microsoft.com/office/drawing/2014/main" id="{DB66B5FB-0936-4989-893A-664850F7783E}"/>
+              </a:ext>
+            </a:extLst>
+          </p:cNvPr>
+          <p:cNvSpPr/>
+          <p:nvPr/>
+        </p:nvSpPr>
+        <p:spPr>
+          <a:xfrm>
+            <a:off x="1989667" y="3429000"/>
+            <a:ext cx="8212666" cy="1908215"/>
+          </a:xfrm>
+          <a:prstGeom prst="rect">
+            <a:avLst/>
+          </a:prstGeom>
+        </p:spPr>
+        <p:txBody>
+          <a:bodyPr wrap="square">
+            <a:spAutoFit/>
+          </a:bodyPr>
+          <a:lstStyle/>
+          <a:p>
+            <a:r>
+              <a:rPr lang="pt-BR" b="1" dirty="0" err="1">
+                <a:solidFill>
+                  <a:srgbClr val="7F0055"/>
+                </a:solidFill>
+                <a:latin typeface="Consolas" panose="020B0609020204030204" pitchFamily="49" charset="0"/>
+              </a:rPr>
+              <a:t>try</a:t>
+            </a:r>
+            <a:r>
+              <a:rPr lang="pt-BR" dirty="0">
+                <a:solidFill>
+                  <a:srgbClr val="000000"/>
+                </a:solidFill>
+                <a:latin typeface="Consolas" panose="020B0609020204030204" pitchFamily="49" charset="0"/>
+              </a:rPr>
+              <a:t> {</a:t>
+            </a:r>
+          </a:p>
+          <a:p>
+            <a:pPr indent="457200">
+              <a:spcBef>
+                <a:spcPts val="150"/>
+              </a:spcBef>
+              <a:spcAft>
+                <a:spcPts val="150"/>
+              </a:spcAft>
+            </a:pPr>
+            <a:r>
+              <a:rPr lang="pt-BR" b="1" dirty="0" err="1">
+                <a:solidFill>
+                  <a:srgbClr val="7F0055"/>
+                </a:solidFill>
+                <a:latin typeface="Consolas" panose="020B0609020204030204" pitchFamily="49" charset="0"/>
+              </a:rPr>
+              <a:t>int</a:t>
+            </a:r>
+            <a:r>
+              <a:rPr lang="pt-BR" dirty="0">
+                <a:solidFill>
+                  <a:srgbClr val="000000"/>
+                </a:solidFill>
+                <a:latin typeface="Consolas" panose="020B0609020204030204" pitchFamily="49" charset="0"/>
+              </a:rPr>
+              <a:t>[] </a:t>
+            </a:r>
+            <a:r>
+              <a:rPr lang="pt-BR" dirty="0" err="1">
+                <a:solidFill>
+                  <a:srgbClr val="6A3E3E"/>
+                </a:solidFill>
+                <a:latin typeface="Consolas" panose="020B0609020204030204" pitchFamily="49" charset="0"/>
+              </a:rPr>
+              <a:t>arr</a:t>
+            </a:r>
+            <a:r>
+              <a:rPr lang="pt-BR" dirty="0">
+                <a:solidFill>
+                  <a:srgbClr val="000000"/>
+                </a:solidFill>
+                <a:latin typeface="Consolas" panose="020B0609020204030204" pitchFamily="49" charset="0"/>
+              </a:rPr>
+              <a:t> = </a:t>
+            </a:r>
+            <a:r>
+              <a:rPr lang="pt-BR" b="1" dirty="0">
+                <a:solidFill>
+                  <a:srgbClr val="7F0055"/>
+                </a:solidFill>
+                <a:latin typeface="Consolas" panose="020B0609020204030204" pitchFamily="49" charset="0"/>
+              </a:rPr>
+              <a:t>new</a:t>
+            </a:r>
+            <a:r>
+              <a:rPr lang="pt-BR" dirty="0">
+                <a:solidFill>
+                  <a:srgbClr val="000000"/>
+                </a:solidFill>
+                <a:latin typeface="Consolas" panose="020B0609020204030204" pitchFamily="49" charset="0"/>
+              </a:rPr>
+              <a:t> </a:t>
+            </a:r>
+            <a:r>
+              <a:rPr lang="pt-BR" b="1" dirty="0" err="1">
+                <a:solidFill>
+                  <a:srgbClr val="7F0055"/>
+                </a:solidFill>
+                <a:latin typeface="Consolas" panose="020B0609020204030204" pitchFamily="49" charset="0"/>
+              </a:rPr>
+              <a:t>int</a:t>
+            </a:r>
+            <a:r>
+              <a:rPr lang="pt-BR" dirty="0">
+                <a:solidFill>
+                  <a:srgbClr val="000000"/>
+                </a:solidFill>
+                <a:latin typeface="Consolas" panose="020B0609020204030204" pitchFamily="49" charset="0"/>
+              </a:rPr>
+              <a:t>[5];</a:t>
+            </a:r>
+          </a:p>
+          <a:p>
+            <a:pPr indent="457200">
+              <a:spcBef>
+                <a:spcPts val="150"/>
+              </a:spcBef>
+              <a:spcAft>
+                <a:spcPts val="150"/>
+              </a:spcAft>
+            </a:pPr>
+            <a:r>
+              <a:rPr lang="pt-BR" dirty="0" err="1">
+                <a:solidFill>
+                  <a:srgbClr val="000000"/>
+                </a:solidFill>
+                <a:latin typeface="Consolas" panose="020B0609020204030204" pitchFamily="49" charset="0"/>
+              </a:rPr>
+              <a:t>System.</a:t>
+            </a:r>
+            <a:r>
+              <a:rPr lang="pt-BR" b="1" i="1" dirty="0" err="1">
+                <a:solidFill>
+                  <a:srgbClr val="0000C0"/>
+                </a:solidFill>
+                <a:latin typeface="Consolas" panose="020B0609020204030204" pitchFamily="49" charset="0"/>
+              </a:rPr>
+              <a:t>out</a:t>
+            </a:r>
+            <a:r>
+              <a:rPr lang="pt-BR" dirty="0" err="1">
+                <a:solidFill>
+                  <a:srgbClr val="000000"/>
+                </a:solidFill>
+                <a:latin typeface="Consolas" panose="020B0609020204030204" pitchFamily="49" charset="0"/>
+              </a:rPr>
+              <a:t>.println</a:t>
+            </a:r>
+            <a:r>
+              <a:rPr lang="pt-BR" dirty="0">
+                <a:solidFill>
+                  <a:srgbClr val="000000"/>
+                </a:solidFill>
+                <a:latin typeface="Consolas" panose="020B0609020204030204" pitchFamily="49" charset="0"/>
+              </a:rPr>
+              <a:t>(</a:t>
+            </a:r>
+            <a:r>
+              <a:rPr lang="pt-BR" dirty="0" err="1">
+                <a:solidFill>
+                  <a:srgbClr val="6A3E3E"/>
+                </a:solidFill>
+                <a:latin typeface="Consolas" panose="020B0609020204030204" pitchFamily="49" charset="0"/>
+              </a:rPr>
+              <a:t>arr</a:t>
+            </a:r>
+            <a:r>
+              <a:rPr lang="pt-BR" dirty="0">
+                <a:solidFill>
+                  <a:srgbClr val="000000"/>
+                </a:solidFill>
+                <a:latin typeface="Consolas" panose="020B0609020204030204" pitchFamily="49" charset="0"/>
+              </a:rPr>
+              <a:t>[10]);</a:t>
+            </a:r>
+          </a:p>
+          <a:p>
+            <a:r>
+              <a:rPr lang="pt-BR" dirty="0">
+                <a:solidFill>
+                  <a:srgbClr val="000000"/>
+                </a:solidFill>
+                <a:latin typeface="Consolas" panose="020B0609020204030204" pitchFamily="49" charset="0"/>
+              </a:rPr>
+              <a:t>} </a:t>
+            </a:r>
+            <a:r>
+              <a:rPr lang="pt-BR" b="1" dirty="0">
+                <a:solidFill>
+                  <a:srgbClr val="7F0055"/>
+                </a:solidFill>
+                <a:latin typeface="Consolas" panose="020B0609020204030204" pitchFamily="49" charset="0"/>
+              </a:rPr>
+              <a:t>catch</a:t>
+            </a:r>
+            <a:r>
+              <a:rPr lang="pt-BR" dirty="0">
+                <a:solidFill>
+                  <a:srgbClr val="000000"/>
+                </a:solidFill>
+                <a:latin typeface="Consolas" panose="020B0609020204030204" pitchFamily="49" charset="0"/>
+              </a:rPr>
+              <a:t> (</a:t>
+            </a:r>
+            <a:r>
+              <a:rPr lang="pt-BR" dirty="0" err="1">
+                <a:solidFill>
+                  <a:srgbClr val="000000"/>
+                </a:solidFill>
+                <a:latin typeface="Consolas" panose="020B0609020204030204" pitchFamily="49" charset="0"/>
+              </a:rPr>
+              <a:t>ArrayIndexOutOfBoundsException</a:t>
+            </a:r>
+            <a:r>
+              <a:rPr lang="pt-BR" dirty="0">
+                <a:solidFill>
+                  <a:srgbClr val="000000"/>
+                </a:solidFill>
+                <a:latin typeface="Consolas" panose="020B0609020204030204" pitchFamily="49" charset="0"/>
+              </a:rPr>
+              <a:t> </a:t>
+            </a:r>
+            <a:r>
+              <a:rPr lang="pt-BR" dirty="0">
+                <a:solidFill>
+                  <a:srgbClr val="6A3E3E"/>
+                </a:solidFill>
+                <a:latin typeface="Consolas" panose="020B0609020204030204" pitchFamily="49" charset="0"/>
+              </a:rPr>
+              <a:t>e</a:t>
+            </a:r>
+            <a:r>
+              <a:rPr lang="pt-BR" dirty="0">
+                <a:solidFill>
+                  <a:srgbClr val="000000"/>
+                </a:solidFill>
+                <a:latin typeface="Consolas" panose="020B0609020204030204" pitchFamily="49" charset="0"/>
+              </a:rPr>
+              <a:t>) {</a:t>
+            </a:r>
+          </a:p>
+          <a:p>
+            <a:pPr indent="457200">
+              <a:spcBef>
+                <a:spcPts val="150"/>
+              </a:spcBef>
+              <a:spcAft>
+                <a:spcPts val="150"/>
+              </a:spcAft>
+            </a:pPr>
+            <a:r>
+              <a:rPr lang="pt-BR" dirty="0" err="1">
+                <a:solidFill>
+                  <a:srgbClr val="000000"/>
+                </a:solidFill>
+                <a:latin typeface="Consolas" panose="020B0609020204030204" pitchFamily="49" charset="0"/>
+              </a:rPr>
+              <a:t>System.</a:t>
+            </a:r>
+            <a:r>
+              <a:rPr lang="pt-BR" b="1" i="1" dirty="0" err="1">
+                <a:solidFill>
+                  <a:srgbClr val="0000C0"/>
+                </a:solidFill>
+                <a:latin typeface="Consolas" panose="020B0609020204030204" pitchFamily="49" charset="0"/>
+              </a:rPr>
+              <a:t>out</a:t>
+            </a:r>
+            <a:r>
+              <a:rPr lang="pt-BR" dirty="0" err="1">
+                <a:solidFill>
+                  <a:srgbClr val="000000"/>
+                </a:solidFill>
+                <a:latin typeface="Consolas" panose="020B0609020204030204" pitchFamily="49" charset="0"/>
+              </a:rPr>
+              <a:t>.println</a:t>
+            </a:r>
+            <a:r>
+              <a:rPr lang="pt-BR" dirty="0">
+                <a:solidFill>
+                  <a:srgbClr val="000000"/>
+                </a:solidFill>
+                <a:latin typeface="Consolas" panose="020B0609020204030204" pitchFamily="49" charset="0"/>
+              </a:rPr>
+              <a:t>(</a:t>
+            </a:r>
+            <a:r>
+              <a:rPr lang="pt-BR" dirty="0">
+                <a:solidFill>
+                  <a:srgbClr val="2A00FF"/>
+                </a:solidFill>
+                <a:latin typeface="Consolas" panose="020B0609020204030204" pitchFamily="49" charset="0"/>
+              </a:rPr>
+              <a:t>"Erro: Índice fora do limite do </a:t>
+            </a:r>
+            <a:r>
+              <a:rPr lang="pt-BR" dirty="0" err="1">
+                <a:solidFill>
+                  <a:srgbClr val="2A00FF"/>
+                </a:solidFill>
+                <a:latin typeface="Consolas" panose="020B0609020204030204" pitchFamily="49" charset="0"/>
+              </a:rPr>
+              <a:t>array</a:t>
+            </a:r>
+            <a:r>
+              <a:rPr lang="pt-BR" dirty="0">
+                <a:solidFill>
+                  <a:srgbClr val="2A00FF"/>
+                </a:solidFill>
+                <a:latin typeface="Consolas" panose="020B0609020204030204" pitchFamily="49" charset="0"/>
+              </a:rPr>
+              <a:t>."</a:t>
+            </a:r>
+            <a:r>
+              <a:rPr lang="pt-BR" dirty="0">
+                <a:solidFill>
+                  <a:srgbClr val="000000"/>
+                </a:solidFill>
+                <a:latin typeface="Consolas" panose="020B0609020204030204" pitchFamily="49" charset="0"/>
+              </a:rPr>
+              <a:t>);</a:t>
+            </a:r>
+          </a:p>
+          <a:p>
+            <a:r>
+              <a:rPr lang="pt-BR" dirty="0">
+                <a:solidFill>
+                  <a:srgbClr val="000000"/>
+                </a:solidFill>
+                <a:latin typeface="Consolas" panose="020B0609020204030204" pitchFamily="49" charset="0"/>
+              </a:rPr>
+              <a:t>}</a:t>
+            </a:r>
+          </a:p>
+        </p:txBody>
+      </p:sp>
+    </p:spTree>
+    <p:extLst>
+      <p:ext uri="{BB962C8B-B14F-4D97-AF65-F5344CB8AC3E}">
+        <p14:creationId xmlns:p14="http://schemas.microsoft.com/office/powerpoint/2010/main" val="3030091742"/>
+      </p:ext>
+    </p:extLst>
+  </p:cSld>
+  <p:clrMapOvr>
+    <a:masterClrMapping/>
+  </p:clrMapOvr>
+</p:sld>
+</file>
+
+<file path=ppt/slides/slide7.xml><?xml version="1.0" encoding="utf-8"?>
+<p:sld xmlns:a="http://schemas.openxmlformats.org/drawingml/2006/main" xmlns:r="http://schemas.openxmlformats.org/officeDocument/2006/relationships" xmlns:p="http://schemas.openxmlformats.org/presentationml/2006/main">
+  <p:cSld>
+    <p:spTree>
+      <p:nvGrpSpPr>
+        <p:cNvPr id="1" name=""/>
+        <p:cNvGrpSpPr/>
+        <p:nvPr/>
+      </p:nvGrpSpPr>
+      <p:grpSpPr>
+        <a:xfrm>
+          <a:off x="0" y="0"/>
+          <a:ext cx="0" cy="0"/>
+          <a:chOff x="0" y="0"/>
+          <a:chExt cx="0" cy="0"/>
+        </a:xfrm>
+      </p:grpSpPr>
+      <p:sp>
+        <p:nvSpPr>
+          <p:cNvPr id="2" name="Título 1">
+            <a:extLst>
+              <a:ext uri="{FF2B5EF4-FFF2-40B4-BE49-F238E27FC236}">
+                <a16:creationId xmlns:a16="http://schemas.microsoft.com/office/drawing/2014/main" id="{137766DE-CF8A-4F06-BB79-E06C5F50DA16}"/>
+              </a:ext>
+            </a:extLst>
+          </p:cNvPr>
+          <p:cNvSpPr>
+            <a:spLocks noGrp="1"/>
+          </p:cNvSpPr>
+          <p:nvPr>
+            <p:ph type="title"/>
+          </p:nvPr>
+        </p:nvSpPr>
+        <p:spPr/>
+        <p:txBody>
+          <a:bodyPr/>
+          <a:lstStyle/>
+          <a:p>
+            <a:r>
+              <a:rPr lang="pt-BR" dirty="0"/>
+              <a:t>Exemplos de exceções no </a:t>
+            </a:r>
+            <a:r>
+              <a:rPr lang="pt-BR" dirty="0" err="1"/>
+              <a:t>try</a:t>
+            </a:r>
+            <a:r>
+              <a:rPr lang="pt-BR" dirty="0"/>
+              <a:t>-catch</a:t>
+            </a:r>
+          </a:p>
+        </p:txBody>
+      </p:sp>
+      <p:sp>
+        <p:nvSpPr>
+          <p:cNvPr id="3" name="Espaço Reservado para Conteúdo 2">
+            <a:extLst>
+              <a:ext uri="{FF2B5EF4-FFF2-40B4-BE49-F238E27FC236}">
+                <a16:creationId xmlns:a16="http://schemas.microsoft.com/office/drawing/2014/main" id="{FFF61CCC-3F1A-40C7-9274-6885A23DAC01}"/>
+              </a:ext>
+            </a:extLst>
+          </p:cNvPr>
+          <p:cNvSpPr>
+            <a:spLocks noGrp="1"/>
+          </p:cNvSpPr>
+          <p:nvPr>
+            <p:ph idx="1"/>
+          </p:nvPr>
+        </p:nvSpPr>
+        <p:spPr>
+          <a:xfrm>
+            <a:off x="592347" y="1844675"/>
+            <a:ext cx="11007306" cy="619125"/>
+          </a:xfrm>
+        </p:spPr>
+        <p:txBody>
+          <a:bodyPr/>
+          <a:lstStyle/>
+          <a:p>
+            <a:r>
+              <a:rPr lang="pt-BR" dirty="0" err="1"/>
+              <a:t>ArithmeticException</a:t>
+            </a:r>
+            <a:r>
+              <a:rPr lang="pt-BR" dirty="0"/>
+              <a:t> - Ocorre quando uma operação aritmética inválida, como a divisão por zero, é realizada.</a:t>
+            </a:r>
+          </a:p>
+        </p:txBody>
+      </p:sp>
+      <p:sp>
+        <p:nvSpPr>
+          <p:cNvPr id="4" name="Retângulo 3">
+            <a:extLst>
+              <a:ext uri="{FF2B5EF4-FFF2-40B4-BE49-F238E27FC236}">
+                <a16:creationId xmlns:a16="http://schemas.microsoft.com/office/drawing/2014/main" id="{DB41D093-10CE-472F-B6B3-8A591B2A9344}"/>
+              </a:ext>
+            </a:extLst>
+          </p:cNvPr>
+          <p:cNvSpPr/>
+          <p:nvPr/>
+        </p:nvSpPr>
+        <p:spPr>
+          <a:xfrm>
+            <a:off x="1908592" y="3813372"/>
+            <a:ext cx="8374816" cy="1477328"/>
+          </a:xfrm>
+          <a:prstGeom prst="rect">
+            <a:avLst/>
+          </a:prstGeom>
+        </p:spPr>
+        <p:txBody>
+          <a:bodyPr wrap="square">
+            <a:spAutoFit/>
+          </a:bodyPr>
+          <a:lstStyle/>
+          <a:p>
+            <a:r>
+              <a:rPr lang="pt-BR" b="1" dirty="0" err="1">
+                <a:solidFill>
+                  <a:srgbClr val="7F0055"/>
+                </a:solidFill>
+                <a:latin typeface="Consolas" panose="020B0609020204030204" pitchFamily="49" charset="0"/>
+              </a:rPr>
+              <a:t>try</a:t>
+            </a:r>
+            <a:r>
+              <a:rPr lang="pt-BR" dirty="0">
+                <a:solidFill>
+                  <a:srgbClr val="000000"/>
+                </a:solidFill>
+                <a:latin typeface="Consolas" panose="020B0609020204030204" pitchFamily="49" charset="0"/>
+              </a:rPr>
+              <a:t> {</a:t>
+            </a:r>
+          </a:p>
+          <a:p>
+            <a:pPr indent="457200"/>
+            <a:r>
+              <a:rPr lang="pt-BR" b="1" dirty="0" err="1">
+                <a:solidFill>
+                  <a:srgbClr val="7F0055"/>
+                </a:solidFill>
+                <a:latin typeface="Consolas" panose="020B0609020204030204" pitchFamily="49" charset="0"/>
+              </a:rPr>
+              <a:t>int</a:t>
+            </a:r>
+            <a:r>
+              <a:rPr lang="pt-BR" dirty="0">
+                <a:solidFill>
+                  <a:srgbClr val="000000"/>
+                </a:solidFill>
+                <a:latin typeface="Consolas" panose="020B0609020204030204" pitchFamily="49" charset="0"/>
+              </a:rPr>
+              <a:t> </a:t>
+            </a:r>
+            <a:r>
+              <a:rPr lang="pt-BR" dirty="0">
+                <a:solidFill>
+                  <a:srgbClr val="6A3E3E"/>
+                </a:solidFill>
+                <a:latin typeface="Consolas" panose="020B0609020204030204" pitchFamily="49" charset="0"/>
+              </a:rPr>
+              <a:t>resultado</a:t>
+            </a:r>
+            <a:r>
+              <a:rPr lang="pt-BR" dirty="0">
+                <a:solidFill>
+                  <a:srgbClr val="000000"/>
+                </a:solidFill>
+                <a:latin typeface="Consolas" panose="020B0609020204030204" pitchFamily="49" charset="0"/>
+              </a:rPr>
+              <a:t> = 10 / 0;</a:t>
+            </a:r>
+          </a:p>
+          <a:p>
+            <a:r>
+              <a:rPr lang="pt-BR" dirty="0">
+                <a:solidFill>
+                  <a:srgbClr val="000000"/>
+                </a:solidFill>
+                <a:latin typeface="Consolas" panose="020B0609020204030204" pitchFamily="49" charset="0"/>
+              </a:rPr>
+              <a:t>} </a:t>
+            </a:r>
+            <a:r>
+              <a:rPr lang="pt-BR" b="1" dirty="0">
+                <a:solidFill>
+                  <a:srgbClr val="7F0055"/>
+                </a:solidFill>
+                <a:latin typeface="Consolas" panose="020B0609020204030204" pitchFamily="49" charset="0"/>
+              </a:rPr>
+              <a:t>catch</a:t>
+            </a:r>
+            <a:r>
+              <a:rPr lang="pt-BR" dirty="0">
+                <a:solidFill>
+                  <a:srgbClr val="000000"/>
+                </a:solidFill>
+                <a:latin typeface="Consolas" panose="020B0609020204030204" pitchFamily="49" charset="0"/>
+              </a:rPr>
+              <a:t> (</a:t>
+            </a:r>
+            <a:r>
+              <a:rPr lang="pt-BR" dirty="0" err="1">
+                <a:solidFill>
+                  <a:srgbClr val="000000"/>
+                </a:solidFill>
+                <a:latin typeface="Consolas" panose="020B0609020204030204" pitchFamily="49" charset="0"/>
+              </a:rPr>
+              <a:t>ArithmeticException</a:t>
+            </a:r>
+            <a:r>
+              <a:rPr lang="pt-BR" dirty="0">
+                <a:solidFill>
+                  <a:srgbClr val="000000"/>
+                </a:solidFill>
+                <a:latin typeface="Consolas" panose="020B0609020204030204" pitchFamily="49" charset="0"/>
+              </a:rPr>
+              <a:t> </a:t>
+            </a:r>
+            <a:r>
+              <a:rPr lang="pt-BR" dirty="0">
+                <a:solidFill>
+                  <a:srgbClr val="6A3E3E"/>
+                </a:solidFill>
+                <a:latin typeface="Consolas" panose="020B0609020204030204" pitchFamily="49" charset="0"/>
+              </a:rPr>
+              <a:t>e</a:t>
+            </a:r>
+            <a:r>
+              <a:rPr lang="pt-BR" dirty="0">
+                <a:solidFill>
+                  <a:srgbClr val="000000"/>
+                </a:solidFill>
+                <a:latin typeface="Consolas" panose="020B0609020204030204" pitchFamily="49" charset="0"/>
+              </a:rPr>
+              <a:t>) {</a:t>
+            </a:r>
+          </a:p>
+          <a:p>
+            <a:pPr indent="457200"/>
+            <a:r>
+              <a:rPr lang="pt-BR" dirty="0" err="1">
+                <a:solidFill>
+                  <a:srgbClr val="000000"/>
+                </a:solidFill>
+                <a:latin typeface="Consolas" panose="020B0609020204030204" pitchFamily="49" charset="0"/>
+              </a:rPr>
+              <a:t>System.</a:t>
+            </a:r>
+            <a:r>
+              <a:rPr lang="pt-BR" b="1" i="1" dirty="0" err="1">
+                <a:solidFill>
+                  <a:srgbClr val="0000C0"/>
+                </a:solidFill>
+                <a:latin typeface="Consolas" panose="020B0609020204030204" pitchFamily="49" charset="0"/>
+              </a:rPr>
+              <a:t>out</a:t>
+            </a:r>
+            <a:r>
+              <a:rPr lang="pt-BR" dirty="0" err="1">
+                <a:solidFill>
+                  <a:srgbClr val="000000"/>
+                </a:solidFill>
+                <a:latin typeface="Consolas" panose="020B0609020204030204" pitchFamily="49" charset="0"/>
+              </a:rPr>
+              <a:t>.println</a:t>
+            </a:r>
+            <a:r>
+              <a:rPr lang="pt-BR" dirty="0">
+                <a:solidFill>
+                  <a:srgbClr val="000000"/>
+                </a:solidFill>
+                <a:latin typeface="Consolas" panose="020B0609020204030204" pitchFamily="49" charset="0"/>
+              </a:rPr>
+              <a:t>(</a:t>
+            </a:r>
+            <a:r>
+              <a:rPr lang="pt-BR" dirty="0">
+                <a:solidFill>
+                  <a:srgbClr val="2A00FF"/>
+                </a:solidFill>
+                <a:latin typeface="Consolas" panose="020B0609020204030204" pitchFamily="49" charset="0"/>
+              </a:rPr>
+              <a:t>"Erro: Não é possível dividir por zero."</a:t>
+            </a:r>
+            <a:r>
+              <a:rPr lang="pt-BR" dirty="0">
+                <a:solidFill>
+                  <a:srgbClr val="000000"/>
+                </a:solidFill>
+                <a:latin typeface="Consolas" panose="020B0609020204030204" pitchFamily="49" charset="0"/>
+              </a:rPr>
+              <a:t>);</a:t>
+            </a:r>
+          </a:p>
+          <a:p>
+            <a:r>
+              <a:rPr lang="pt-BR" dirty="0">
+                <a:solidFill>
+                  <a:srgbClr val="000000"/>
+                </a:solidFill>
+                <a:latin typeface="Consolas" panose="020B0609020204030204" pitchFamily="49" charset="0"/>
+              </a:rPr>
+              <a:t>}</a:t>
+            </a:r>
+          </a:p>
+        </p:txBody>
+      </p:sp>
+    </p:spTree>
+    <p:extLst>
+      <p:ext uri="{BB962C8B-B14F-4D97-AF65-F5344CB8AC3E}">
+        <p14:creationId xmlns:p14="http://schemas.microsoft.com/office/powerpoint/2010/main" val="2369243455"/>
+      </p:ext>
+    </p:extLst>
+  </p:cSld>
+  <p:clrMapOvr>
+    <a:masterClrMapping/>
+  </p:clrMapOvr>
+</p:sld>
+</file>
+
+<file path=ppt/slides/slide8.xml><?xml version="1.0" encoding="utf-8"?>
+<p:sld xmlns:a="http://schemas.openxmlformats.org/drawingml/2006/main" xmlns:r="http://schemas.openxmlformats.org/officeDocument/2006/relationships" xmlns:p="http://schemas.openxmlformats.org/presentationml/2006/main">
+  <p:cSld>
+    <p:spTree>
+      <p:nvGrpSpPr>
+        <p:cNvPr id="1" name=""/>
+        <p:cNvGrpSpPr/>
+        <p:nvPr/>
+      </p:nvGrpSpPr>
+      <p:grpSpPr>
+        <a:xfrm>
+          <a:off x="0" y="0"/>
+          <a:ext cx="0" cy="0"/>
+          <a:chOff x="0" y="0"/>
+          <a:chExt cx="0" cy="0"/>
+        </a:xfrm>
+      </p:grpSpPr>
+      <p:sp>
+        <p:nvSpPr>
+          <p:cNvPr id="2" name="Título 1">
+            <a:extLst>
+              <a:ext uri="{FF2B5EF4-FFF2-40B4-BE49-F238E27FC236}">
+                <a16:creationId xmlns:a16="http://schemas.microsoft.com/office/drawing/2014/main" id="{137766DE-CF8A-4F06-BB79-E06C5F50DA16}"/>
+              </a:ext>
+            </a:extLst>
+          </p:cNvPr>
+          <p:cNvSpPr>
+            <a:spLocks noGrp="1"/>
+          </p:cNvSpPr>
+          <p:nvPr>
+            <p:ph type="title"/>
+          </p:nvPr>
+        </p:nvSpPr>
+        <p:spPr/>
+        <p:txBody>
+          <a:bodyPr/>
+          <a:lstStyle/>
+          <a:p>
+            <a:r>
+              <a:rPr lang="pt-BR" dirty="0"/>
+              <a:t>Exemplos de exceções no </a:t>
+            </a:r>
+            <a:r>
+              <a:rPr lang="pt-BR" dirty="0" err="1"/>
+              <a:t>try</a:t>
+            </a:r>
+            <a:r>
+              <a:rPr lang="pt-BR" dirty="0"/>
+              <a:t>-catch</a:t>
+            </a:r>
+          </a:p>
+        </p:txBody>
+      </p:sp>
+      <p:sp>
+        <p:nvSpPr>
+          <p:cNvPr id="3" name="Espaço Reservado para Conteúdo 2">
+            <a:extLst>
+              <a:ext uri="{FF2B5EF4-FFF2-40B4-BE49-F238E27FC236}">
+                <a16:creationId xmlns:a16="http://schemas.microsoft.com/office/drawing/2014/main" id="{FFF61CCC-3F1A-40C7-9274-6885A23DAC01}"/>
+              </a:ext>
+            </a:extLst>
+          </p:cNvPr>
+          <p:cNvSpPr>
+            <a:spLocks noGrp="1"/>
+          </p:cNvSpPr>
+          <p:nvPr>
+            <p:ph idx="1"/>
+          </p:nvPr>
+        </p:nvSpPr>
+        <p:spPr>
+          <a:xfrm>
+            <a:off x="592347" y="1844675"/>
+            <a:ext cx="11007306" cy="619125"/>
+          </a:xfrm>
+        </p:spPr>
+        <p:txBody>
+          <a:bodyPr/>
+          <a:lstStyle/>
+          <a:p>
+            <a:r>
+              <a:rPr lang="pt-BR" dirty="0" err="1"/>
+              <a:t>ClassNotFoundException</a:t>
+            </a:r>
+            <a:r>
+              <a:rPr lang="pt-BR" dirty="0"/>
+              <a:t> - Ocorre quando a JVM não consegue encontrar uma classe especificada.</a:t>
+            </a:r>
+          </a:p>
+          <a:p>
+            <a:endParaRPr lang="pt-BR" dirty="0"/>
+          </a:p>
+        </p:txBody>
+      </p:sp>
+      <p:sp>
+        <p:nvSpPr>
+          <p:cNvPr id="4" name="Retângulo 3">
+            <a:extLst>
+              <a:ext uri="{FF2B5EF4-FFF2-40B4-BE49-F238E27FC236}">
+                <a16:creationId xmlns:a16="http://schemas.microsoft.com/office/drawing/2014/main" id="{63BA48BB-6E31-40D5-9D76-550D5EBF7116}"/>
+              </a:ext>
+            </a:extLst>
+          </p:cNvPr>
+          <p:cNvSpPr/>
+          <p:nvPr/>
+        </p:nvSpPr>
+        <p:spPr>
+          <a:xfrm>
+            <a:off x="2514600" y="3429000"/>
+            <a:ext cx="7162801" cy="1579920"/>
+          </a:xfrm>
+          <a:prstGeom prst="rect">
+            <a:avLst/>
+          </a:prstGeom>
+        </p:spPr>
+        <p:txBody>
+          <a:bodyPr wrap="square">
+            <a:spAutoFit/>
+          </a:bodyPr>
+          <a:lstStyle/>
+          <a:p>
+            <a:r>
+              <a:rPr lang="pt-BR" b="1" dirty="0" err="1">
+                <a:solidFill>
+                  <a:srgbClr val="7F0055"/>
+                </a:solidFill>
+                <a:latin typeface="Consolas" panose="020B0609020204030204" pitchFamily="49" charset="0"/>
+              </a:rPr>
+              <a:t>try</a:t>
+            </a:r>
+            <a:r>
+              <a:rPr lang="pt-BR" dirty="0">
+                <a:solidFill>
+                  <a:srgbClr val="000000"/>
+                </a:solidFill>
+                <a:latin typeface="Consolas" panose="020B0609020204030204" pitchFamily="49" charset="0"/>
+              </a:rPr>
+              <a:t> {</a:t>
+            </a:r>
+          </a:p>
+          <a:p>
+            <a:pPr indent="457200">
+              <a:spcBef>
+                <a:spcPts val="150"/>
+              </a:spcBef>
+              <a:spcAft>
+                <a:spcPts val="150"/>
+              </a:spcAft>
+            </a:pPr>
+            <a:r>
+              <a:rPr lang="pt-BR" dirty="0" err="1">
+                <a:solidFill>
+                  <a:srgbClr val="000000"/>
+                </a:solidFill>
+                <a:latin typeface="Consolas" panose="020B0609020204030204" pitchFamily="49" charset="0"/>
+              </a:rPr>
+              <a:t>Class.</a:t>
+            </a:r>
+            <a:r>
+              <a:rPr lang="pt-BR" i="1" dirty="0" err="1">
+                <a:solidFill>
+                  <a:srgbClr val="000000"/>
+                </a:solidFill>
+                <a:latin typeface="Consolas" panose="020B0609020204030204" pitchFamily="49" charset="0"/>
+              </a:rPr>
+              <a:t>forName</a:t>
+            </a:r>
+            <a:r>
+              <a:rPr lang="pt-BR" dirty="0">
+                <a:solidFill>
+                  <a:srgbClr val="000000"/>
+                </a:solidFill>
+                <a:latin typeface="Consolas" panose="020B0609020204030204" pitchFamily="49" charset="0"/>
+              </a:rPr>
+              <a:t>(</a:t>
+            </a:r>
+            <a:r>
+              <a:rPr lang="pt-BR" dirty="0">
+                <a:solidFill>
+                  <a:srgbClr val="2A00FF"/>
+                </a:solidFill>
+                <a:latin typeface="Consolas" panose="020B0609020204030204" pitchFamily="49" charset="0"/>
+              </a:rPr>
+              <a:t>"</a:t>
+            </a:r>
+            <a:r>
+              <a:rPr lang="pt-BR" dirty="0" err="1">
+                <a:solidFill>
+                  <a:srgbClr val="2A00FF"/>
+                </a:solidFill>
+                <a:latin typeface="Consolas" panose="020B0609020204030204" pitchFamily="49" charset="0"/>
+              </a:rPr>
+              <a:t>com.exemplo.MinhaClasse</a:t>
+            </a:r>
+            <a:r>
+              <a:rPr lang="pt-BR" dirty="0">
+                <a:solidFill>
+                  <a:srgbClr val="2A00FF"/>
+                </a:solidFill>
+                <a:latin typeface="Consolas" panose="020B0609020204030204" pitchFamily="49" charset="0"/>
+              </a:rPr>
+              <a:t>"</a:t>
+            </a:r>
+            <a:r>
+              <a:rPr lang="pt-BR" dirty="0">
+                <a:solidFill>
+                  <a:srgbClr val="000000"/>
+                </a:solidFill>
+                <a:latin typeface="Consolas" panose="020B0609020204030204" pitchFamily="49" charset="0"/>
+              </a:rPr>
+              <a:t>); </a:t>
+            </a:r>
+          </a:p>
+          <a:p>
+            <a:r>
+              <a:rPr lang="pt-BR" dirty="0">
+                <a:solidFill>
+                  <a:srgbClr val="000000"/>
+                </a:solidFill>
+                <a:latin typeface="Consolas" panose="020B0609020204030204" pitchFamily="49" charset="0"/>
+              </a:rPr>
+              <a:t>} </a:t>
+            </a:r>
+            <a:r>
+              <a:rPr lang="pt-BR" b="1" dirty="0">
+                <a:solidFill>
+                  <a:srgbClr val="7F0055"/>
+                </a:solidFill>
+                <a:latin typeface="Consolas" panose="020B0609020204030204" pitchFamily="49" charset="0"/>
+              </a:rPr>
+              <a:t>catch</a:t>
+            </a:r>
+            <a:r>
+              <a:rPr lang="pt-BR" dirty="0">
+                <a:solidFill>
+                  <a:srgbClr val="000000"/>
+                </a:solidFill>
+                <a:latin typeface="Consolas" panose="020B0609020204030204" pitchFamily="49" charset="0"/>
+              </a:rPr>
+              <a:t> (</a:t>
+            </a:r>
+            <a:r>
+              <a:rPr lang="pt-BR" dirty="0" err="1">
+                <a:solidFill>
+                  <a:srgbClr val="000000"/>
+                </a:solidFill>
+                <a:latin typeface="Consolas" panose="020B0609020204030204" pitchFamily="49" charset="0"/>
+              </a:rPr>
+              <a:t>ClassNotFoundException</a:t>
+            </a:r>
+            <a:r>
+              <a:rPr lang="pt-BR" dirty="0">
+                <a:solidFill>
+                  <a:srgbClr val="000000"/>
+                </a:solidFill>
+                <a:latin typeface="Consolas" panose="020B0609020204030204" pitchFamily="49" charset="0"/>
+              </a:rPr>
+              <a:t> </a:t>
+            </a:r>
+            <a:r>
+              <a:rPr lang="pt-BR" dirty="0">
+                <a:solidFill>
+                  <a:srgbClr val="6A3E3E"/>
+                </a:solidFill>
+                <a:latin typeface="Consolas" panose="020B0609020204030204" pitchFamily="49" charset="0"/>
+              </a:rPr>
+              <a:t>e</a:t>
+            </a:r>
+            <a:r>
+              <a:rPr lang="pt-BR" dirty="0">
+                <a:solidFill>
+                  <a:srgbClr val="000000"/>
+                </a:solidFill>
+                <a:latin typeface="Consolas" panose="020B0609020204030204" pitchFamily="49" charset="0"/>
+              </a:rPr>
+              <a:t>) {</a:t>
+            </a:r>
+          </a:p>
+          <a:p>
+            <a:pPr indent="457200">
+              <a:spcBef>
+                <a:spcPts val="150"/>
+              </a:spcBef>
+              <a:spcAft>
+                <a:spcPts val="150"/>
+              </a:spcAft>
+            </a:pPr>
+            <a:r>
+              <a:rPr lang="pt-BR" dirty="0" err="1">
+                <a:solidFill>
+                  <a:srgbClr val="000000"/>
+                </a:solidFill>
+                <a:latin typeface="Consolas" panose="020B0609020204030204" pitchFamily="49" charset="0"/>
+              </a:rPr>
+              <a:t>System.</a:t>
+            </a:r>
+            <a:r>
+              <a:rPr lang="pt-BR" b="1" i="1" dirty="0" err="1">
+                <a:solidFill>
+                  <a:srgbClr val="0000C0"/>
+                </a:solidFill>
+                <a:latin typeface="Consolas" panose="020B0609020204030204" pitchFamily="49" charset="0"/>
+              </a:rPr>
+              <a:t>out</a:t>
+            </a:r>
+            <a:r>
+              <a:rPr lang="pt-BR" dirty="0" err="1">
+                <a:solidFill>
+                  <a:srgbClr val="000000"/>
+                </a:solidFill>
+                <a:latin typeface="Consolas" panose="020B0609020204030204" pitchFamily="49" charset="0"/>
+              </a:rPr>
+              <a:t>.println</a:t>
+            </a:r>
+            <a:r>
+              <a:rPr lang="pt-BR" dirty="0">
+                <a:solidFill>
+                  <a:srgbClr val="000000"/>
+                </a:solidFill>
+                <a:latin typeface="Consolas" panose="020B0609020204030204" pitchFamily="49" charset="0"/>
+              </a:rPr>
+              <a:t>(</a:t>
+            </a:r>
+            <a:r>
+              <a:rPr lang="pt-BR" dirty="0">
+                <a:solidFill>
+                  <a:srgbClr val="2A00FF"/>
+                </a:solidFill>
+                <a:latin typeface="Consolas" panose="020B0609020204030204" pitchFamily="49" charset="0"/>
+              </a:rPr>
+              <a:t>"Erro: Classe não encontrada."</a:t>
+            </a:r>
+            <a:r>
+              <a:rPr lang="pt-BR" dirty="0">
+                <a:solidFill>
+                  <a:srgbClr val="000000"/>
+                </a:solidFill>
+                <a:latin typeface="Consolas" panose="020B0609020204030204" pitchFamily="49" charset="0"/>
+              </a:rPr>
+              <a:t>);</a:t>
+            </a:r>
+          </a:p>
+          <a:p>
+            <a:r>
+              <a:rPr lang="pt-BR" dirty="0">
+                <a:solidFill>
+                  <a:srgbClr val="000000"/>
+                </a:solidFill>
+                <a:latin typeface="Consolas" panose="020B0609020204030204" pitchFamily="49" charset="0"/>
+              </a:rPr>
+              <a:t>}</a:t>
+            </a:r>
+          </a:p>
+        </p:txBody>
+      </p:sp>
+    </p:spTree>
+    <p:extLst>
+      <p:ext uri="{BB962C8B-B14F-4D97-AF65-F5344CB8AC3E}">
+        <p14:creationId xmlns:p14="http://schemas.microsoft.com/office/powerpoint/2010/main" val="253670649"/>
+      </p:ext>
+    </p:extLst>
+  </p:cSld>
+  <p:clrMapOvr>
+    <a:masterClrMapping/>
+  </p:clrMapOvr>
+</p:sld>
+</file>
+
+<file path=ppt/slides/slide9.xml><?xml version="1.0" encoding="utf-8"?>
+<p:sld xmlns:a="http://schemas.openxmlformats.org/drawingml/2006/main" xmlns:r="http://schemas.openxmlformats.org/officeDocument/2006/relationships" xmlns:p="http://schemas.openxmlformats.org/presentationml/2006/main">
+  <p:cSld>
+    <p:spTree>
+      <p:nvGrpSpPr>
+        <p:cNvPr id="1" name=""/>
+        <p:cNvGrpSpPr/>
+        <p:nvPr/>
+      </p:nvGrpSpPr>
+      <p:grpSpPr>
+        <a:xfrm>
+          <a:off x="0" y="0"/>
+          <a:ext cx="0" cy="0"/>
+          <a:chOff x="0" y="0"/>
+          <a:chExt cx="0" cy="0"/>
+        </a:xfrm>
+      </p:grpSpPr>
+      <p:sp>
+        <p:nvSpPr>
+          <p:cNvPr id="2" name="Título 1">
+            <a:extLst>
+              <a:ext uri="{FF2B5EF4-FFF2-40B4-BE49-F238E27FC236}">
+                <a16:creationId xmlns:a16="http://schemas.microsoft.com/office/drawing/2014/main" id="{137766DE-CF8A-4F06-BB79-E06C5F50DA16}"/>
+              </a:ext>
+            </a:extLst>
+          </p:cNvPr>
+          <p:cNvSpPr>
+            <a:spLocks noGrp="1"/>
+          </p:cNvSpPr>
+          <p:nvPr>
+            <p:ph type="title"/>
+          </p:nvPr>
+        </p:nvSpPr>
+        <p:spPr/>
+        <p:txBody>
+          <a:bodyPr/>
+          <a:lstStyle/>
+          <a:p>
+            <a:r>
+              <a:rPr lang="pt-BR" dirty="0"/>
+              <a:t>Exemplos de exceções no </a:t>
+            </a:r>
+            <a:r>
+              <a:rPr lang="pt-BR" dirty="0" err="1"/>
+              <a:t>try</a:t>
+            </a:r>
+            <a:r>
+              <a:rPr lang="pt-BR" dirty="0"/>
+              <a:t>-catch</a:t>
+            </a:r>
+          </a:p>
+        </p:txBody>
+      </p:sp>
+      <p:sp>
+        <p:nvSpPr>
+          <p:cNvPr id="3" name="Espaço Reservado para Conteúdo 2">
+            <a:extLst>
+              <a:ext uri="{FF2B5EF4-FFF2-40B4-BE49-F238E27FC236}">
+                <a16:creationId xmlns:a16="http://schemas.microsoft.com/office/drawing/2014/main" id="{FFF61CCC-3F1A-40C7-9274-6885A23DAC01}"/>
+              </a:ext>
+            </a:extLst>
+          </p:cNvPr>
+          <p:cNvSpPr>
+            <a:spLocks noGrp="1"/>
+          </p:cNvSpPr>
+          <p:nvPr>
+            <p:ph idx="1"/>
+          </p:nvPr>
+        </p:nvSpPr>
+        <p:spPr>
+          <a:xfrm>
+            <a:off x="592347" y="1844675"/>
+            <a:ext cx="11007306" cy="619125"/>
+          </a:xfrm>
+        </p:spPr>
+        <p:txBody>
+          <a:bodyPr/>
+          <a:lstStyle/>
+          <a:p>
+            <a:r>
+              <a:rPr lang="pt-BR" dirty="0" err="1"/>
+              <a:t>FileNotFoundException</a:t>
+            </a:r>
+            <a:r>
+              <a:rPr lang="pt-BR" dirty="0"/>
+              <a:t> - Ocorre quando um arquivo especificado não é encontrado no sistema de arquivos.</a:t>
+            </a:r>
+          </a:p>
+        </p:txBody>
+      </p:sp>
+      <p:sp>
+        <p:nvSpPr>
+          <p:cNvPr id="4" name="Retângulo 3">
+            <a:extLst>
+              <a:ext uri="{FF2B5EF4-FFF2-40B4-BE49-F238E27FC236}">
+                <a16:creationId xmlns:a16="http://schemas.microsoft.com/office/drawing/2014/main" id="{3EF22CD4-FCDC-455E-8117-5EFB66A43ACE}"/>
+              </a:ext>
+            </a:extLst>
+          </p:cNvPr>
+          <p:cNvSpPr/>
+          <p:nvPr/>
+        </p:nvSpPr>
+        <p:spPr>
+          <a:xfrm>
+            <a:off x="2298700" y="3564282"/>
+            <a:ext cx="7594600" cy="2010807"/>
+          </a:xfrm>
+          <a:prstGeom prst="rect">
+            <a:avLst/>
+          </a:prstGeom>
+        </p:spPr>
+        <p:txBody>
+          <a:bodyPr wrap="square">
+            <a:spAutoFit/>
+          </a:bodyPr>
+          <a:lstStyle/>
+          <a:p>
+            <a:pPr>
+              <a:spcBef>
+                <a:spcPts val="150"/>
+              </a:spcBef>
+              <a:spcAft>
+                <a:spcPts val="150"/>
+              </a:spcAft>
+            </a:pPr>
+            <a:r>
+              <a:rPr lang="pt-BR" b="1" dirty="0" err="1">
+                <a:solidFill>
+                  <a:srgbClr val="7F0055"/>
+                </a:solidFill>
+                <a:latin typeface="Consolas" panose="020B0609020204030204" pitchFamily="49" charset="0"/>
+              </a:rPr>
+              <a:t>try</a:t>
+            </a:r>
+            <a:r>
+              <a:rPr lang="pt-BR" dirty="0">
+                <a:solidFill>
+                  <a:srgbClr val="000000"/>
+                </a:solidFill>
+                <a:latin typeface="Consolas" panose="020B0609020204030204" pitchFamily="49" charset="0"/>
+              </a:rPr>
+              <a:t> {</a:t>
+            </a:r>
+          </a:p>
+          <a:p>
+            <a:pPr indent="457200">
+              <a:spcBef>
+                <a:spcPts val="150"/>
+              </a:spcBef>
+              <a:spcAft>
+                <a:spcPts val="150"/>
+              </a:spcAft>
+            </a:pPr>
+            <a:r>
+              <a:rPr lang="pt-BR" dirty="0">
+                <a:solidFill>
+                  <a:srgbClr val="000000"/>
+                </a:solidFill>
+                <a:latin typeface="Consolas" panose="020B0609020204030204" pitchFamily="49" charset="0"/>
+              </a:rPr>
+              <a:t>File </a:t>
+            </a:r>
+            <a:r>
+              <a:rPr lang="pt-BR" dirty="0" err="1">
+                <a:solidFill>
+                  <a:srgbClr val="6A3E3E"/>
+                </a:solidFill>
+                <a:latin typeface="Consolas" panose="020B0609020204030204" pitchFamily="49" charset="0"/>
+              </a:rPr>
+              <a:t>file</a:t>
+            </a:r>
+            <a:r>
+              <a:rPr lang="pt-BR" dirty="0">
+                <a:solidFill>
+                  <a:srgbClr val="000000"/>
+                </a:solidFill>
+                <a:latin typeface="Consolas" panose="020B0609020204030204" pitchFamily="49" charset="0"/>
+              </a:rPr>
+              <a:t> = </a:t>
+            </a:r>
+            <a:r>
+              <a:rPr lang="pt-BR" b="1" dirty="0">
+                <a:solidFill>
+                  <a:srgbClr val="7F0055"/>
+                </a:solidFill>
+                <a:latin typeface="Consolas" panose="020B0609020204030204" pitchFamily="49" charset="0"/>
+              </a:rPr>
+              <a:t>new</a:t>
+            </a:r>
+            <a:r>
+              <a:rPr lang="pt-BR" dirty="0">
+                <a:solidFill>
+                  <a:srgbClr val="000000"/>
+                </a:solidFill>
+                <a:latin typeface="Consolas" panose="020B0609020204030204" pitchFamily="49" charset="0"/>
+              </a:rPr>
+              <a:t> File(</a:t>
+            </a:r>
+            <a:r>
+              <a:rPr lang="pt-BR" dirty="0">
+                <a:solidFill>
+                  <a:srgbClr val="2A00FF"/>
+                </a:solidFill>
+                <a:latin typeface="Consolas" panose="020B0609020204030204" pitchFamily="49" charset="0"/>
+              </a:rPr>
+              <a:t>"arquivo_inexistente.txt"</a:t>
+            </a:r>
+            <a:r>
+              <a:rPr lang="pt-BR" dirty="0">
+                <a:solidFill>
+                  <a:srgbClr val="000000"/>
+                </a:solidFill>
+                <a:latin typeface="Consolas" panose="020B0609020204030204" pitchFamily="49" charset="0"/>
+              </a:rPr>
+              <a:t>);</a:t>
+            </a:r>
+          </a:p>
+          <a:p>
+            <a:pPr indent="457200">
+              <a:spcBef>
+                <a:spcPts val="150"/>
+              </a:spcBef>
+              <a:spcAft>
+                <a:spcPts val="150"/>
+              </a:spcAft>
+            </a:pPr>
+            <a:r>
+              <a:rPr lang="pt-BR" dirty="0" err="1">
+                <a:solidFill>
+                  <a:srgbClr val="000000"/>
+                </a:solidFill>
+                <a:latin typeface="Consolas" panose="020B0609020204030204" pitchFamily="49" charset="0"/>
+              </a:rPr>
+              <a:t>FileReader</a:t>
+            </a:r>
+            <a:r>
+              <a:rPr lang="pt-BR" dirty="0">
+                <a:solidFill>
+                  <a:srgbClr val="000000"/>
+                </a:solidFill>
+                <a:latin typeface="Consolas" panose="020B0609020204030204" pitchFamily="49" charset="0"/>
+              </a:rPr>
+              <a:t> </a:t>
+            </a:r>
+            <a:r>
+              <a:rPr lang="pt-BR" dirty="0" err="1">
+                <a:solidFill>
+                  <a:srgbClr val="6A3E3E"/>
+                </a:solidFill>
+                <a:latin typeface="Consolas" panose="020B0609020204030204" pitchFamily="49" charset="0"/>
+              </a:rPr>
+              <a:t>fr</a:t>
+            </a:r>
+            <a:r>
+              <a:rPr lang="pt-BR" dirty="0">
+                <a:solidFill>
+                  <a:srgbClr val="000000"/>
+                </a:solidFill>
+                <a:latin typeface="Consolas" panose="020B0609020204030204" pitchFamily="49" charset="0"/>
+              </a:rPr>
+              <a:t> = </a:t>
+            </a:r>
+            <a:r>
+              <a:rPr lang="pt-BR" b="1" dirty="0">
+                <a:solidFill>
+                  <a:srgbClr val="7F0055"/>
+                </a:solidFill>
+                <a:latin typeface="Consolas" panose="020B0609020204030204" pitchFamily="49" charset="0"/>
+              </a:rPr>
+              <a:t>new</a:t>
+            </a:r>
+            <a:r>
+              <a:rPr lang="pt-BR" dirty="0">
+                <a:solidFill>
+                  <a:srgbClr val="000000"/>
+                </a:solidFill>
+                <a:latin typeface="Consolas" panose="020B0609020204030204" pitchFamily="49" charset="0"/>
+              </a:rPr>
+              <a:t> </a:t>
+            </a:r>
+            <a:r>
+              <a:rPr lang="pt-BR" dirty="0" err="1">
+                <a:solidFill>
+                  <a:srgbClr val="000000"/>
+                </a:solidFill>
+                <a:latin typeface="Consolas" panose="020B0609020204030204" pitchFamily="49" charset="0"/>
+              </a:rPr>
+              <a:t>FileReader</a:t>
+            </a:r>
+            <a:r>
+              <a:rPr lang="pt-BR" dirty="0">
+                <a:solidFill>
+                  <a:srgbClr val="000000"/>
+                </a:solidFill>
+                <a:latin typeface="Consolas" panose="020B0609020204030204" pitchFamily="49" charset="0"/>
+              </a:rPr>
+              <a:t>(</a:t>
+            </a:r>
+            <a:r>
+              <a:rPr lang="pt-BR" dirty="0">
+                <a:solidFill>
+                  <a:srgbClr val="6A3E3E"/>
+                </a:solidFill>
+                <a:latin typeface="Consolas" panose="020B0609020204030204" pitchFamily="49" charset="0"/>
+              </a:rPr>
+              <a:t>file</a:t>
+            </a:r>
+            <a:r>
+              <a:rPr lang="pt-BR" dirty="0">
+                <a:solidFill>
+                  <a:srgbClr val="000000"/>
+                </a:solidFill>
+                <a:latin typeface="Consolas" panose="020B0609020204030204" pitchFamily="49" charset="0"/>
+              </a:rPr>
+              <a:t>); </a:t>
+            </a:r>
+          </a:p>
+          <a:p>
+            <a:pPr>
+              <a:spcBef>
+                <a:spcPts val="150"/>
+              </a:spcBef>
+              <a:spcAft>
+                <a:spcPts val="150"/>
+              </a:spcAft>
+            </a:pPr>
+            <a:r>
+              <a:rPr lang="pt-BR" dirty="0">
+                <a:solidFill>
+                  <a:srgbClr val="000000"/>
+                </a:solidFill>
+                <a:latin typeface="Consolas" panose="020B0609020204030204" pitchFamily="49" charset="0"/>
+              </a:rPr>
+              <a:t>} </a:t>
+            </a:r>
+            <a:r>
+              <a:rPr lang="pt-BR" b="1" dirty="0">
+                <a:solidFill>
+                  <a:srgbClr val="7F0055"/>
+                </a:solidFill>
+                <a:latin typeface="Consolas" panose="020B0609020204030204" pitchFamily="49" charset="0"/>
+              </a:rPr>
+              <a:t>catch</a:t>
+            </a:r>
+            <a:r>
+              <a:rPr lang="pt-BR" dirty="0">
+                <a:solidFill>
+                  <a:srgbClr val="000000"/>
+                </a:solidFill>
+                <a:latin typeface="Consolas" panose="020B0609020204030204" pitchFamily="49" charset="0"/>
+              </a:rPr>
+              <a:t> (</a:t>
+            </a:r>
+            <a:r>
+              <a:rPr lang="pt-BR" dirty="0" err="1">
+                <a:solidFill>
+                  <a:srgbClr val="000000"/>
+                </a:solidFill>
+                <a:latin typeface="Consolas" panose="020B0609020204030204" pitchFamily="49" charset="0"/>
+              </a:rPr>
+              <a:t>FileNotFoundException</a:t>
+            </a:r>
+            <a:r>
+              <a:rPr lang="pt-BR" dirty="0">
+                <a:solidFill>
+                  <a:srgbClr val="000000"/>
+                </a:solidFill>
+                <a:latin typeface="Consolas" panose="020B0609020204030204" pitchFamily="49" charset="0"/>
+              </a:rPr>
+              <a:t> </a:t>
+            </a:r>
+            <a:r>
+              <a:rPr lang="pt-BR" dirty="0">
+                <a:solidFill>
+                  <a:srgbClr val="6A3E3E"/>
+                </a:solidFill>
+                <a:latin typeface="Consolas" panose="020B0609020204030204" pitchFamily="49" charset="0"/>
+              </a:rPr>
+              <a:t>e</a:t>
+            </a:r>
+            <a:r>
+              <a:rPr lang="pt-BR" dirty="0">
+                <a:solidFill>
+                  <a:srgbClr val="000000"/>
+                </a:solidFill>
+                <a:latin typeface="Consolas" panose="020B0609020204030204" pitchFamily="49" charset="0"/>
+              </a:rPr>
+              <a:t>) {</a:t>
+            </a:r>
+          </a:p>
+          <a:p>
+            <a:pPr indent="457200">
+              <a:spcBef>
+                <a:spcPts val="150"/>
+              </a:spcBef>
+              <a:spcAft>
+                <a:spcPts val="150"/>
+              </a:spcAft>
+            </a:pPr>
+            <a:r>
+              <a:rPr lang="pt-BR" dirty="0" err="1">
+                <a:solidFill>
+                  <a:srgbClr val="000000"/>
+                </a:solidFill>
+                <a:latin typeface="Consolas" panose="020B0609020204030204" pitchFamily="49" charset="0"/>
+              </a:rPr>
+              <a:t>System.</a:t>
+            </a:r>
+            <a:r>
+              <a:rPr lang="pt-BR" b="1" i="1" dirty="0" err="1">
+                <a:solidFill>
+                  <a:srgbClr val="0000C0"/>
+                </a:solidFill>
+                <a:latin typeface="Consolas" panose="020B0609020204030204" pitchFamily="49" charset="0"/>
+              </a:rPr>
+              <a:t>out</a:t>
+            </a:r>
+            <a:r>
+              <a:rPr lang="pt-BR" dirty="0" err="1">
+                <a:solidFill>
+                  <a:srgbClr val="000000"/>
+                </a:solidFill>
+                <a:latin typeface="Consolas" panose="020B0609020204030204" pitchFamily="49" charset="0"/>
+              </a:rPr>
+              <a:t>.println</a:t>
+            </a:r>
+            <a:r>
+              <a:rPr lang="pt-BR" dirty="0">
+                <a:solidFill>
+                  <a:srgbClr val="000000"/>
+                </a:solidFill>
+                <a:latin typeface="Consolas" panose="020B0609020204030204" pitchFamily="49" charset="0"/>
+              </a:rPr>
+              <a:t>(</a:t>
+            </a:r>
+            <a:r>
+              <a:rPr lang="pt-BR" dirty="0">
+                <a:solidFill>
+                  <a:srgbClr val="2A00FF"/>
+                </a:solidFill>
+                <a:latin typeface="Consolas" panose="020B0609020204030204" pitchFamily="49" charset="0"/>
+              </a:rPr>
+              <a:t>"Erro: Arquivo não encontrado."</a:t>
+            </a:r>
+            <a:r>
+              <a:rPr lang="pt-BR" dirty="0">
+                <a:solidFill>
+                  <a:srgbClr val="000000"/>
+                </a:solidFill>
+                <a:latin typeface="Consolas" panose="020B0609020204030204" pitchFamily="49" charset="0"/>
+              </a:rPr>
+              <a:t>);</a:t>
+            </a:r>
+          </a:p>
+          <a:p>
+            <a:pPr>
+              <a:spcBef>
+                <a:spcPts val="150"/>
+              </a:spcBef>
+              <a:spcAft>
+                <a:spcPts val="150"/>
+              </a:spcAft>
+            </a:pPr>
+            <a:r>
+              <a:rPr lang="pt-BR" dirty="0">
+                <a:solidFill>
+                  <a:srgbClr val="000000"/>
+                </a:solidFill>
+                <a:latin typeface="Consolas" panose="020B0609020204030204" pitchFamily="49" charset="0"/>
+              </a:rPr>
+              <a:t>}</a:t>
+            </a:r>
+          </a:p>
+        </p:txBody>
+      </p:sp>
+    </p:spTree>
+    <p:extLst>
+      <p:ext uri="{BB962C8B-B14F-4D97-AF65-F5344CB8AC3E}">
+        <p14:creationId xmlns:p14="http://schemas.microsoft.com/office/powerpoint/2010/main" val="85505856"/>
       </p:ext>
     </p:extLst>
   </p:cSld>
